--- a/210228_React_Hooks.pptx
+++ b/210228_React_Hooks.pptx
@@ -12080,128 +12080,6 @@
           <a:chExt cx="0" cy="0"/>
         </a:xfrm>
       </p:grpSpPr>
-      <p:grpSp>
-        <p:nvGrpSpPr>
-          <p:cNvPr id="6" name="그룹 5">
-            <a:extLst>
-              <a:ext uri="{FF2B5EF4-FFF2-40B4-BE49-F238E27FC236}">
-                <a16:creationId xmlns:a16="http://schemas.microsoft.com/office/drawing/2014/main" id="{CA7BD838-D4FB-4EA7-B68C-FA7B6D147BA2}"/>
-              </a:ext>
-            </a:extLst>
-          </p:cNvPr>
-          <p:cNvGrpSpPr/>
-          <p:nvPr/>
-        </p:nvGrpSpPr>
-        <p:grpSpPr>
-          <a:xfrm>
-            <a:off x="159192" y="182880"/>
-            <a:ext cx="1852488" cy="854227"/>
-            <a:chOff x="640080" y="-971550"/>
-            <a:chExt cx="1660746" cy="765810"/>
-          </a:xfrm>
-        </p:grpSpPr>
-        <p:sp>
-          <p:nvSpPr>
-            <p:cNvPr id="18" name="TextBox 17">
-              <a:extLst>
-                <a:ext uri="{FF2B5EF4-FFF2-40B4-BE49-F238E27FC236}">
-                  <a16:creationId xmlns:a16="http://schemas.microsoft.com/office/drawing/2014/main" id="{D7B7EE40-BAD9-4569-9BF6-F6E9ACA78A3C}"/>
-                </a:ext>
-              </a:extLst>
-            </p:cNvPr>
-            <p:cNvSpPr txBox="1"/>
-            <p:nvPr/>
-          </p:nvSpPr>
-          <p:spPr>
-            <a:xfrm>
-              <a:off x="683325" y="-770703"/>
-              <a:ext cx="1576513" cy="358697"/>
-            </a:xfrm>
-            <a:prstGeom prst="rect">
-              <a:avLst/>
-            </a:prstGeom>
-            <a:noFill/>
-          </p:spPr>
-          <p:txBody>
-            <a:bodyPr wrap="square" rtlCol="0" anchor="ctr">
-              <a:spAutoFit/>
-            </a:bodyPr>
-            <a:lstStyle/>
-            <a:p>
-              <a:pPr algn="ctr"/>
-              <a:r>
-                <a:rPr lang="en-US" altLang="ko-KR" sz="2000">
-                  <a:ln>
-                    <a:solidFill>
-                      <a:schemeClr val="tx1">
-                        <a:alpha val="30000"/>
-                      </a:schemeClr>
-                    </a:solidFill>
-                  </a:ln>
-                  <a:latin typeface="빙그레 메로나체" panose="020B0503000000000000" pitchFamily="50" charset="-127"/>
-                  <a:ea typeface="빙그레 메로나체" panose="020B0503000000000000" pitchFamily="50" charset="-127"/>
-                </a:rPr>
-                <a:t>React</a:t>
-              </a:r>
-            </a:p>
-          </p:txBody>
-        </p:sp>
-        <p:sp>
-          <p:nvSpPr>
-            <p:cNvPr id="5" name="직사각형 4">
-              <a:extLst>
-                <a:ext uri="{FF2B5EF4-FFF2-40B4-BE49-F238E27FC236}">
-                  <a16:creationId xmlns:a16="http://schemas.microsoft.com/office/drawing/2014/main" id="{AB4C8245-D0E4-4D79-B3E9-2FB89CE6FE84}"/>
-                </a:ext>
-              </a:extLst>
-            </p:cNvPr>
-            <p:cNvSpPr/>
-            <p:nvPr/>
-          </p:nvSpPr>
-          <p:spPr>
-            <a:xfrm>
-              <a:off x="640080" y="-971550"/>
-              <a:ext cx="1660746" cy="765810"/>
-            </a:xfrm>
-            <a:prstGeom prst="rect">
-              <a:avLst/>
-            </a:prstGeom>
-            <a:noFill/>
-            <a:ln w="25400">
-              <a:solidFill>
-                <a:schemeClr val="tx1"/>
-              </a:solidFill>
-            </a:ln>
-          </p:spPr>
-          <p:style>
-            <a:lnRef idx="2">
-              <a:schemeClr val="accent1">
-                <a:shade val="50000"/>
-              </a:schemeClr>
-            </a:lnRef>
-            <a:fillRef idx="1">
-              <a:schemeClr val="accent1"/>
-            </a:fillRef>
-            <a:effectRef idx="0">
-              <a:schemeClr val="accent1"/>
-            </a:effectRef>
-            <a:fontRef idx="minor">
-              <a:schemeClr val="lt1"/>
-            </a:fontRef>
-          </p:style>
-          <p:txBody>
-            <a:bodyPr rtlCol="0" anchor="ctr"/>
-            <a:lstStyle/>
-            <a:p>
-              <a:pPr algn="ctr"/>
-              <a:endParaRPr lang="ko-KR" altLang="en-US">
-                <a:latin typeface="빙그레 메로나체" panose="020B0503000000000000" pitchFamily="50" charset="-127"/>
-                <a:ea typeface="빙그레 메로나체" panose="020B0503000000000000" pitchFamily="50" charset="-127"/>
-              </a:endParaRPr>
-            </a:p>
-          </p:txBody>
-        </p:sp>
-      </p:grpSp>
       <p:sp>
         <p:nvSpPr>
           <p:cNvPr id="30" name="TextBox 29">
@@ -12601,42 +12479,12 @@
           </a:p>
         </p:txBody>
       </p:sp>
-    </p:spTree>
-    <p:extLst>
-      <p:ext uri="{BB962C8B-B14F-4D97-AF65-F5344CB8AC3E}">
-        <p14:creationId xmlns:p14="http://schemas.microsoft.com/office/powerpoint/2010/main" val="424213441"/>
-      </p:ext>
-    </p:extLst>
-  </p:cSld>
-  <p:clrMapOvr>
-    <a:masterClrMapping/>
-  </p:clrMapOvr>
-</p:sld>
-</file>
-
-<file path=ppt/slides/slide11.xml><?xml version="1.0" encoding="utf-8"?>
-<p:sld xmlns:a="http://schemas.openxmlformats.org/drawingml/2006/main" xmlns:r="http://schemas.openxmlformats.org/officeDocument/2006/relationships" xmlns:p="http://schemas.openxmlformats.org/presentationml/2006/main">
-  <p:cSld>
-    <p:spTree>
-      <p:nvGrpSpPr>
-        <p:cNvPr id="1" name=""/>
-        <p:cNvGrpSpPr/>
-        <p:nvPr/>
-      </p:nvGrpSpPr>
-      <p:grpSpPr>
-        <a:xfrm>
-          <a:off x="0" y="0"/>
-          <a:ext cx="0" cy="0"/>
-          <a:chOff x="0" y="0"/>
-          <a:chExt cx="0" cy="0"/>
-        </a:xfrm>
-      </p:grpSpPr>
       <p:grpSp>
         <p:nvGrpSpPr>
-          <p:cNvPr id="6" name="그룹 5">
+          <p:cNvPr id="12" name="그룹 11">
             <a:extLst>
               <a:ext uri="{FF2B5EF4-FFF2-40B4-BE49-F238E27FC236}">
-                <a16:creationId xmlns:a16="http://schemas.microsoft.com/office/drawing/2014/main" id="{CA7BD838-D4FB-4EA7-B68C-FA7B6D147BA2}"/>
+                <a16:creationId xmlns:a16="http://schemas.microsoft.com/office/drawing/2014/main" id="{103138EF-4954-45B0-9B00-A2B85FD0F043}"/>
               </a:ext>
             </a:extLst>
           </p:cNvPr>
@@ -12653,10 +12501,10 @@
         </p:grpSpPr>
         <p:sp>
           <p:nvSpPr>
-            <p:cNvPr id="18" name="TextBox 17">
+            <p:cNvPr id="14" name="TextBox 13">
               <a:extLst>
                 <a:ext uri="{FF2B5EF4-FFF2-40B4-BE49-F238E27FC236}">
-                  <a16:creationId xmlns:a16="http://schemas.microsoft.com/office/drawing/2014/main" id="{D7B7EE40-BAD9-4569-9BF6-F6E9ACA78A3C}"/>
+                  <a16:creationId xmlns:a16="http://schemas.microsoft.com/office/drawing/2014/main" id="{108E2E6B-B546-467C-BB2A-722B00E6F9E1}"/>
                 </a:ext>
               </a:extLst>
             </p:cNvPr>
@@ -12692,17 +12540,17 @@
                   <a:latin typeface="빙그레 메로나체" panose="020B0503000000000000" pitchFamily="50" charset="-127"/>
                   <a:ea typeface="빙그레 메로나체" panose="020B0503000000000000" pitchFamily="50" charset="-127"/>
                 </a:rPr>
-                <a:t>React</a:t>
+                <a:t>Hooks</a:t>
               </a:r>
             </a:p>
           </p:txBody>
         </p:sp>
         <p:sp>
           <p:nvSpPr>
-            <p:cNvPr id="5" name="직사각형 4">
+            <p:cNvPr id="15" name="직사각형 14">
               <a:extLst>
                 <a:ext uri="{FF2B5EF4-FFF2-40B4-BE49-F238E27FC236}">
-                  <a16:creationId xmlns:a16="http://schemas.microsoft.com/office/drawing/2014/main" id="{AB4C8245-D0E4-4D79-B3E9-2FB89CE6FE84}"/>
+                  <a16:creationId xmlns:a16="http://schemas.microsoft.com/office/drawing/2014/main" id="{5EABE1A9-C811-4799-882C-C8565C8510D5}"/>
                 </a:ext>
               </a:extLst>
             </p:cNvPr>
@@ -12753,6 +12601,36 @@
           </p:txBody>
         </p:sp>
       </p:grpSp>
+    </p:spTree>
+    <p:extLst>
+      <p:ext uri="{BB962C8B-B14F-4D97-AF65-F5344CB8AC3E}">
+        <p14:creationId xmlns:p14="http://schemas.microsoft.com/office/powerpoint/2010/main" val="424213441"/>
+      </p:ext>
+    </p:extLst>
+  </p:cSld>
+  <p:clrMapOvr>
+    <a:masterClrMapping/>
+  </p:clrMapOvr>
+</p:sld>
+</file>
+
+<file path=ppt/slides/slide11.xml><?xml version="1.0" encoding="utf-8"?>
+<p:sld xmlns:a="http://schemas.openxmlformats.org/drawingml/2006/main" xmlns:r="http://schemas.openxmlformats.org/officeDocument/2006/relationships" xmlns:p="http://schemas.openxmlformats.org/presentationml/2006/main">
+  <p:cSld>
+    <p:spTree>
+      <p:nvGrpSpPr>
+        <p:cNvPr id="1" name=""/>
+        <p:cNvGrpSpPr/>
+        <p:nvPr/>
+      </p:nvGrpSpPr>
+      <p:grpSpPr>
+        <a:xfrm>
+          <a:off x="0" y="0"/>
+          <a:ext cx="0" cy="0"/>
+          <a:chOff x="0" y="0"/>
+          <a:chExt cx="0" cy="0"/>
+        </a:xfrm>
+      </p:grpSpPr>
       <p:sp>
         <p:nvSpPr>
           <p:cNvPr id="30" name="TextBox 29">
@@ -15045,42 +14923,12 @@
           </a:p>
         </p:txBody>
       </p:sp>
-    </p:spTree>
-    <p:extLst>
-      <p:ext uri="{BB962C8B-B14F-4D97-AF65-F5344CB8AC3E}">
-        <p14:creationId xmlns:p14="http://schemas.microsoft.com/office/powerpoint/2010/main" val="696660136"/>
-      </p:ext>
-    </p:extLst>
-  </p:cSld>
-  <p:clrMapOvr>
-    <a:masterClrMapping/>
-  </p:clrMapOvr>
-</p:sld>
-</file>
-
-<file path=ppt/slides/slide12.xml><?xml version="1.0" encoding="utf-8"?>
-<p:sld xmlns:a="http://schemas.openxmlformats.org/drawingml/2006/main" xmlns:r="http://schemas.openxmlformats.org/officeDocument/2006/relationships" xmlns:p="http://schemas.openxmlformats.org/presentationml/2006/main">
-  <p:cSld>
-    <p:spTree>
-      <p:nvGrpSpPr>
-        <p:cNvPr id="1" name=""/>
-        <p:cNvGrpSpPr/>
-        <p:nvPr/>
-      </p:nvGrpSpPr>
-      <p:grpSpPr>
-        <a:xfrm>
-          <a:off x="0" y="0"/>
-          <a:ext cx="0" cy="0"/>
-          <a:chOff x="0" y="0"/>
-          <a:chExt cx="0" cy="0"/>
-        </a:xfrm>
-      </p:grpSpPr>
       <p:grpSp>
         <p:nvGrpSpPr>
-          <p:cNvPr id="6" name="그룹 5">
+          <p:cNvPr id="15" name="그룹 14">
             <a:extLst>
               <a:ext uri="{FF2B5EF4-FFF2-40B4-BE49-F238E27FC236}">
-                <a16:creationId xmlns:a16="http://schemas.microsoft.com/office/drawing/2014/main" id="{CA7BD838-D4FB-4EA7-B68C-FA7B6D147BA2}"/>
+                <a16:creationId xmlns:a16="http://schemas.microsoft.com/office/drawing/2014/main" id="{57412C06-E2F4-4B38-930E-D67C5D225698}"/>
               </a:ext>
             </a:extLst>
           </p:cNvPr>
@@ -15097,10 +14945,10 @@
         </p:grpSpPr>
         <p:sp>
           <p:nvSpPr>
-            <p:cNvPr id="18" name="TextBox 17">
+            <p:cNvPr id="16" name="TextBox 15">
               <a:extLst>
                 <a:ext uri="{FF2B5EF4-FFF2-40B4-BE49-F238E27FC236}">
-                  <a16:creationId xmlns:a16="http://schemas.microsoft.com/office/drawing/2014/main" id="{D7B7EE40-BAD9-4569-9BF6-F6E9ACA78A3C}"/>
+                  <a16:creationId xmlns:a16="http://schemas.microsoft.com/office/drawing/2014/main" id="{557F6F35-6F72-40B1-B5E1-732218F8B681}"/>
                 </a:ext>
               </a:extLst>
             </p:cNvPr>
@@ -15136,17 +14984,17 @@
                   <a:latin typeface="빙그레 메로나체" panose="020B0503000000000000" pitchFamily="50" charset="-127"/>
                   <a:ea typeface="빙그레 메로나체" panose="020B0503000000000000" pitchFamily="50" charset="-127"/>
                 </a:rPr>
-                <a:t>React</a:t>
+                <a:t>Hooks</a:t>
               </a:r>
             </a:p>
           </p:txBody>
         </p:sp>
         <p:sp>
           <p:nvSpPr>
-            <p:cNvPr id="5" name="직사각형 4">
+            <p:cNvPr id="22" name="직사각형 21">
               <a:extLst>
                 <a:ext uri="{FF2B5EF4-FFF2-40B4-BE49-F238E27FC236}">
-                  <a16:creationId xmlns:a16="http://schemas.microsoft.com/office/drawing/2014/main" id="{AB4C8245-D0E4-4D79-B3E9-2FB89CE6FE84}"/>
+                  <a16:creationId xmlns:a16="http://schemas.microsoft.com/office/drawing/2014/main" id="{E9C4B8DF-7E62-4B3F-BD08-C29F532E3224}"/>
                 </a:ext>
               </a:extLst>
             </p:cNvPr>
@@ -15197,6 +15045,36 @@
           </p:txBody>
         </p:sp>
       </p:grpSp>
+    </p:spTree>
+    <p:extLst>
+      <p:ext uri="{BB962C8B-B14F-4D97-AF65-F5344CB8AC3E}">
+        <p14:creationId xmlns:p14="http://schemas.microsoft.com/office/powerpoint/2010/main" val="696660136"/>
+      </p:ext>
+    </p:extLst>
+  </p:cSld>
+  <p:clrMapOvr>
+    <a:masterClrMapping/>
+  </p:clrMapOvr>
+</p:sld>
+</file>
+
+<file path=ppt/slides/slide12.xml><?xml version="1.0" encoding="utf-8"?>
+<p:sld xmlns:a="http://schemas.openxmlformats.org/drawingml/2006/main" xmlns:r="http://schemas.openxmlformats.org/officeDocument/2006/relationships" xmlns:p="http://schemas.openxmlformats.org/presentationml/2006/main">
+  <p:cSld>
+    <p:spTree>
+      <p:nvGrpSpPr>
+        <p:cNvPr id="1" name=""/>
+        <p:cNvGrpSpPr/>
+        <p:nvPr/>
+      </p:nvGrpSpPr>
+      <p:grpSpPr>
+        <a:xfrm>
+          <a:off x="0" y="0"/>
+          <a:ext cx="0" cy="0"/>
+          <a:chOff x="0" y="0"/>
+          <a:chExt cx="0" cy="0"/>
+        </a:xfrm>
+      </p:grpSpPr>
       <p:sp>
         <p:nvSpPr>
           <p:cNvPr id="30" name="TextBox 29">
@@ -16298,42 +16176,12 @@
           </a:p>
         </p:txBody>
       </p:sp>
-    </p:spTree>
-    <p:extLst>
-      <p:ext uri="{BB962C8B-B14F-4D97-AF65-F5344CB8AC3E}">
-        <p14:creationId xmlns:p14="http://schemas.microsoft.com/office/powerpoint/2010/main" val="3792021176"/>
-      </p:ext>
-    </p:extLst>
-  </p:cSld>
-  <p:clrMapOvr>
-    <a:masterClrMapping/>
-  </p:clrMapOvr>
-</p:sld>
-</file>
-
-<file path=ppt/slides/slide13.xml><?xml version="1.0" encoding="utf-8"?>
-<p:sld xmlns:a="http://schemas.openxmlformats.org/drawingml/2006/main" xmlns:r="http://schemas.openxmlformats.org/officeDocument/2006/relationships" xmlns:p="http://schemas.openxmlformats.org/presentationml/2006/main">
-  <p:cSld>
-    <p:spTree>
-      <p:nvGrpSpPr>
-        <p:cNvPr id="1" name=""/>
-        <p:cNvGrpSpPr/>
-        <p:nvPr/>
-      </p:nvGrpSpPr>
-      <p:grpSpPr>
-        <a:xfrm>
-          <a:off x="0" y="0"/>
-          <a:ext cx="0" cy="0"/>
-          <a:chOff x="0" y="0"/>
-          <a:chExt cx="0" cy="0"/>
-        </a:xfrm>
-      </p:grpSpPr>
       <p:grpSp>
         <p:nvGrpSpPr>
-          <p:cNvPr id="6" name="그룹 5">
+          <p:cNvPr id="12" name="그룹 11">
             <a:extLst>
               <a:ext uri="{FF2B5EF4-FFF2-40B4-BE49-F238E27FC236}">
-                <a16:creationId xmlns:a16="http://schemas.microsoft.com/office/drawing/2014/main" id="{CA7BD838-D4FB-4EA7-B68C-FA7B6D147BA2}"/>
+                <a16:creationId xmlns:a16="http://schemas.microsoft.com/office/drawing/2014/main" id="{774A5D33-E193-4C1A-BF7C-220799EA810A}"/>
               </a:ext>
             </a:extLst>
           </p:cNvPr>
@@ -16350,10 +16198,10 @@
         </p:grpSpPr>
         <p:sp>
           <p:nvSpPr>
-            <p:cNvPr id="18" name="TextBox 17">
+            <p:cNvPr id="13" name="TextBox 12">
               <a:extLst>
                 <a:ext uri="{FF2B5EF4-FFF2-40B4-BE49-F238E27FC236}">
-                  <a16:creationId xmlns:a16="http://schemas.microsoft.com/office/drawing/2014/main" id="{D7B7EE40-BAD9-4569-9BF6-F6E9ACA78A3C}"/>
+                  <a16:creationId xmlns:a16="http://schemas.microsoft.com/office/drawing/2014/main" id="{E78E64B1-3F75-4023-9DB3-FA7CC31BCC7D}"/>
                 </a:ext>
               </a:extLst>
             </p:cNvPr>
@@ -16389,17 +16237,17 @@
                   <a:latin typeface="빙그레 메로나체" panose="020B0503000000000000" pitchFamily="50" charset="-127"/>
                   <a:ea typeface="빙그레 메로나체" panose="020B0503000000000000" pitchFamily="50" charset="-127"/>
                 </a:rPr>
-                <a:t>React</a:t>
+                <a:t>Hooks</a:t>
               </a:r>
             </a:p>
           </p:txBody>
         </p:sp>
         <p:sp>
           <p:nvSpPr>
-            <p:cNvPr id="5" name="직사각형 4">
+            <p:cNvPr id="14" name="직사각형 13">
               <a:extLst>
                 <a:ext uri="{FF2B5EF4-FFF2-40B4-BE49-F238E27FC236}">
-                  <a16:creationId xmlns:a16="http://schemas.microsoft.com/office/drawing/2014/main" id="{AB4C8245-D0E4-4D79-B3E9-2FB89CE6FE84}"/>
+                  <a16:creationId xmlns:a16="http://schemas.microsoft.com/office/drawing/2014/main" id="{8506E0D5-E167-4A2F-8715-5FA5077076DE}"/>
                 </a:ext>
               </a:extLst>
             </p:cNvPr>
@@ -16450,6 +16298,36 @@
           </p:txBody>
         </p:sp>
       </p:grpSp>
+    </p:spTree>
+    <p:extLst>
+      <p:ext uri="{BB962C8B-B14F-4D97-AF65-F5344CB8AC3E}">
+        <p14:creationId xmlns:p14="http://schemas.microsoft.com/office/powerpoint/2010/main" val="3792021176"/>
+      </p:ext>
+    </p:extLst>
+  </p:cSld>
+  <p:clrMapOvr>
+    <a:masterClrMapping/>
+  </p:clrMapOvr>
+</p:sld>
+</file>
+
+<file path=ppt/slides/slide13.xml><?xml version="1.0" encoding="utf-8"?>
+<p:sld xmlns:a="http://schemas.openxmlformats.org/drawingml/2006/main" xmlns:r="http://schemas.openxmlformats.org/officeDocument/2006/relationships" xmlns:p="http://schemas.openxmlformats.org/presentationml/2006/main">
+  <p:cSld>
+    <p:spTree>
+      <p:nvGrpSpPr>
+        <p:cNvPr id="1" name=""/>
+        <p:cNvGrpSpPr/>
+        <p:nvPr/>
+      </p:nvGrpSpPr>
+      <p:grpSpPr>
+        <a:xfrm>
+          <a:off x="0" y="0"/>
+          <a:ext cx="0" cy="0"/>
+          <a:chOff x="0" y="0"/>
+          <a:chExt cx="0" cy="0"/>
+        </a:xfrm>
+      </p:grpSpPr>
       <p:sp>
         <p:nvSpPr>
           <p:cNvPr id="30" name="TextBox 29">
@@ -16805,42 +16683,12 @@
           </a:p>
         </p:txBody>
       </p:sp>
-    </p:spTree>
-    <p:extLst>
-      <p:ext uri="{BB962C8B-B14F-4D97-AF65-F5344CB8AC3E}">
-        <p14:creationId xmlns:p14="http://schemas.microsoft.com/office/powerpoint/2010/main" val="3100317650"/>
-      </p:ext>
-    </p:extLst>
-  </p:cSld>
-  <p:clrMapOvr>
-    <a:masterClrMapping/>
-  </p:clrMapOvr>
-</p:sld>
-</file>
-
-<file path=ppt/slides/slide14.xml><?xml version="1.0" encoding="utf-8"?>
-<p:sld xmlns:a="http://schemas.openxmlformats.org/drawingml/2006/main" xmlns:r="http://schemas.openxmlformats.org/officeDocument/2006/relationships" xmlns:p="http://schemas.openxmlformats.org/presentationml/2006/main">
-  <p:cSld>
-    <p:spTree>
-      <p:nvGrpSpPr>
-        <p:cNvPr id="1" name=""/>
-        <p:cNvGrpSpPr/>
-        <p:nvPr/>
-      </p:nvGrpSpPr>
-      <p:grpSpPr>
-        <a:xfrm>
-          <a:off x="0" y="0"/>
-          <a:ext cx="0" cy="0"/>
-          <a:chOff x="0" y="0"/>
-          <a:chExt cx="0" cy="0"/>
-        </a:xfrm>
-      </p:grpSpPr>
       <p:grpSp>
         <p:nvGrpSpPr>
-          <p:cNvPr id="6" name="그룹 5">
+          <p:cNvPr id="12" name="그룹 11">
             <a:extLst>
               <a:ext uri="{FF2B5EF4-FFF2-40B4-BE49-F238E27FC236}">
-                <a16:creationId xmlns:a16="http://schemas.microsoft.com/office/drawing/2014/main" id="{CA7BD838-D4FB-4EA7-B68C-FA7B6D147BA2}"/>
+                <a16:creationId xmlns:a16="http://schemas.microsoft.com/office/drawing/2014/main" id="{C1AF8543-320C-4F4A-BF85-12ECCC717712}"/>
               </a:ext>
             </a:extLst>
           </p:cNvPr>
@@ -16857,10 +16705,10 @@
         </p:grpSpPr>
         <p:sp>
           <p:nvSpPr>
-            <p:cNvPr id="18" name="TextBox 17">
+            <p:cNvPr id="13" name="TextBox 12">
               <a:extLst>
                 <a:ext uri="{FF2B5EF4-FFF2-40B4-BE49-F238E27FC236}">
-                  <a16:creationId xmlns:a16="http://schemas.microsoft.com/office/drawing/2014/main" id="{D7B7EE40-BAD9-4569-9BF6-F6E9ACA78A3C}"/>
+                  <a16:creationId xmlns:a16="http://schemas.microsoft.com/office/drawing/2014/main" id="{ACE4310E-A09F-4CBC-B721-6055A89C86AD}"/>
                 </a:ext>
               </a:extLst>
             </p:cNvPr>
@@ -16896,17 +16744,17 @@
                   <a:latin typeface="빙그레 메로나체" panose="020B0503000000000000" pitchFamily="50" charset="-127"/>
                   <a:ea typeface="빙그레 메로나체" panose="020B0503000000000000" pitchFamily="50" charset="-127"/>
                 </a:rPr>
-                <a:t>React</a:t>
+                <a:t>Hooks</a:t>
               </a:r>
             </a:p>
           </p:txBody>
         </p:sp>
         <p:sp>
           <p:nvSpPr>
-            <p:cNvPr id="5" name="직사각형 4">
+            <p:cNvPr id="14" name="직사각형 13">
               <a:extLst>
                 <a:ext uri="{FF2B5EF4-FFF2-40B4-BE49-F238E27FC236}">
-                  <a16:creationId xmlns:a16="http://schemas.microsoft.com/office/drawing/2014/main" id="{AB4C8245-D0E4-4D79-B3E9-2FB89CE6FE84}"/>
+                  <a16:creationId xmlns:a16="http://schemas.microsoft.com/office/drawing/2014/main" id="{5BBF8006-3C49-414F-BC91-7BC09D9CCFA6}"/>
                 </a:ext>
               </a:extLst>
             </p:cNvPr>
@@ -16957,6 +16805,36 @@
           </p:txBody>
         </p:sp>
       </p:grpSp>
+    </p:spTree>
+    <p:extLst>
+      <p:ext uri="{BB962C8B-B14F-4D97-AF65-F5344CB8AC3E}">
+        <p14:creationId xmlns:p14="http://schemas.microsoft.com/office/powerpoint/2010/main" val="3100317650"/>
+      </p:ext>
+    </p:extLst>
+  </p:cSld>
+  <p:clrMapOvr>
+    <a:masterClrMapping/>
+  </p:clrMapOvr>
+</p:sld>
+</file>
+
+<file path=ppt/slides/slide14.xml><?xml version="1.0" encoding="utf-8"?>
+<p:sld xmlns:a="http://schemas.openxmlformats.org/drawingml/2006/main" xmlns:r="http://schemas.openxmlformats.org/officeDocument/2006/relationships" xmlns:p="http://schemas.openxmlformats.org/presentationml/2006/main">
+  <p:cSld>
+    <p:spTree>
+      <p:nvGrpSpPr>
+        <p:cNvPr id="1" name=""/>
+        <p:cNvGrpSpPr/>
+        <p:nvPr/>
+      </p:nvGrpSpPr>
+      <p:grpSpPr>
+        <a:xfrm>
+          <a:off x="0" y="0"/>
+          <a:ext cx="0" cy="0"/>
+          <a:chOff x="0" y="0"/>
+          <a:chExt cx="0" cy="0"/>
+        </a:xfrm>
+      </p:grpSpPr>
       <p:sp>
         <p:nvSpPr>
           <p:cNvPr id="30" name="TextBox 29">
@@ -19128,42 +19006,12 @@
           </a:ln>
         </p:spPr>
       </p:pic>
-    </p:spTree>
-    <p:extLst>
-      <p:ext uri="{BB962C8B-B14F-4D97-AF65-F5344CB8AC3E}">
-        <p14:creationId xmlns:p14="http://schemas.microsoft.com/office/powerpoint/2010/main" val="328763574"/>
-      </p:ext>
-    </p:extLst>
-  </p:cSld>
-  <p:clrMapOvr>
-    <a:masterClrMapping/>
-  </p:clrMapOvr>
-</p:sld>
-</file>
-
-<file path=ppt/slides/slide15.xml><?xml version="1.0" encoding="utf-8"?>
-<p:sld xmlns:a="http://schemas.openxmlformats.org/drawingml/2006/main" xmlns:r="http://schemas.openxmlformats.org/officeDocument/2006/relationships" xmlns:p="http://schemas.openxmlformats.org/presentationml/2006/main">
-  <p:cSld>
-    <p:spTree>
-      <p:nvGrpSpPr>
-        <p:cNvPr id="1" name=""/>
-        <p:cNvGrpSpPr/>
-        <p:nvPr/>
-      </p:nvGrpSpPr>
-      <p:grpSpPr>
-        <a:xfrm>
-          <a:off x="0" y="0"/>
-          <a:ext cx="0" cy="0"/>
-          <a:chOff x="0" y="0"/>
-          <a:chExt cx="0" cy="0"/>
-        </a:xfrm>
-      </p:grpSpPr>
       <p:grpSp>
         <p:nvGrpSpPr>
-          <p:cNvPr id="6" name="그룹 5">
+          <p:cNvPr id="11" name="그룹 10">
             <a:extLst>
               <a:ext uri="{FF2B5EF4-FFF2-40B4-BE49-F238E27FC236}">
-                <a16:creationId xmlns:a16="http://schemas.microsoft.com/office/drawing/2014/main" id="{CA7BD838-D4FB-4EA7-B68C-FA7B6D147BA2}"/>
+                <a16:creationId xmlns:a16="http://schemas.microsoft.com/office/drawing/2014/main" id="{F4E1ED72-A230-44C2-A958-404C4318C18F}"/>
               </a:ext>
             </a:extLst>
           </p:cNvPr>
@@ -19180,10 +19028,10 @@
         </p:grpSpPr>
         <p:sp>
           <p:nvSpPr>
-            <p:cNvPr id="18" name="TextBox 17">
+            <p:cNvPr id="12" name="TextBox 11">
               <a:extLst>
                 <a:ext uri="{FF2B5EF4-FFF2-40B4-BE49-F238E27FC236}">
-                  <a16:creationId xmlns:a16="http://schemas.microsoft.com/office/drawing/2014/main" id="{D7B7EE40-BAD9-4569-9BF6-F6E9ACA78A3C}"/>
+                  <a16:creationId xmlns:a16="http://schemas.microsoft.com/office/drawing/2014/main" id="{E48B4E64-7798-428B-88A9-DAE84491A574}"/>
                 </a:ext>
               </a:extLst>
             </p:cNvPr>
@@ -19219,17 +19067,17 @@
                   <a:latin typeface="빙그레 메로나체" panose="020B0503000000000000" pitchFamily="50" charset="-127"/>
                   <a:ea typeface="빙그레 메로나체" panose="020B0503000000000000" pitchFamily="50" charset="-127"/>
                 </a:rPr>
-                <a:t>React</a:t>
+                <a:t>Hooks</a:t>
               </a:r>
             </a:p>
           </p:txBody>
         </p:sp>
         <p:sp>
           <p:nvSpPr>
-            <p:cNvPr id="5" name="직사각형 4">
+            <p:cNvPr id="15" name="직사각형 14">
               <a:extLst>
                 <a:ext uri="{FF2B5EF4-FFF2-40B4-BE49-F238E27FC236}">
-                  <a16:creationId xmlns:a16="http://schemas.microsoft.com/office/drawing/2014/main" id="{AB4C8245-D0E4-4D79-B3E9-2FB89CE6FE84}"/>
+                  <a16:creationId xmlns:a16="http://schemas.microsoft.com/office/drawing/2014/main" id="{65D288E5-A89D-4C40-AAF2-371860B822DC}"/>
                 </a:ext>
               </a:extLst>
             </p:cNvPr>
@@ -19280,6 +19128,36 @@
           </p:txBody>
         </p:sp>
       </p:grpSp>
+    </p:spTree>
+    <p:extLst>
+      <p:ext uri="{BB962C8B-B14F-4D97-AF65-F5344CB8AC3E}">
+        <p14:creationId xmlns:p14="http://schemas.microsoft.com/office/powerpoint/2010/main" val="328763574"/>
+      </p:ext>
+    </p:extLst>
+  </p:cSld>
+  <p:clrMapOvr>
+    <a:masterClrMapping/>
+  </p:clrMapOvr>
+</p:sld>
+</file>
+
+<file path=ppt/slides/slide15.xml><?xml version="1.0" encoding="utf-8"?>
+<p:sld xmlns:a="http://schemas.openxmlformats.org/drawingml/2006/main" xmlns:r="http://schemas.openxmlformats.org/officeDocument/2006/relationships" xmlns:p="http://schemas.openxmlformats.org/presentationml/2006/main">
+  <p:cSld>
+    <p:spTree>
+      <p:nvGrpSpPr>
+        <p:cNvPr id="1" name=""/>
+        <p:cNvGrpSpPr/>
+        <p:nvPr/>
+      </p:nvGrpSpPr>
+      <p:grpSpPr>
+        <a:xfrm>
+          <a:off x="0" y="0"/>
+          <a:ext cx="0" cy="0"/>
+          <a:chOff x="0" y="0"/>
+          <a:chExt cx="0" cy="0"/>
+        </a:xfrm>
+      </p:grpSpPr>
       <p:sp>
         <p:nvSpPr>
           <p:cNvPr id="30" name="TextBox 29">
@@ -20110,42 +19988,12 @@
           </a:p>
         </p:txBody>
       </p:sp>
-    </p:spTree>
-    <p:extLst>
-      <p:ext uri="{BB962C8B-B14F-4D97-AF65-F5344CB8AC3E}">
-        <p14:creationId xmlns:p14="http://schemas.microsoft.com/office/powerpoint/2010/main" val="1728300318"/>
-      </p:ext>
-    </p:extLst>
-  </p:cSld>
-  <p:clrMapOvr>
-    <a:masterClrMapping/>
-  </p:clrMapOvr>
-</p:sld>
-</file>
-
-<file path=ppt/slides/slide16.xml><?xml version="1.0" encoding="utf-8"?>
-<p:sld xmlns:a="http://schemas.openxmlformats.org/drawingml/2006/main" xmlns:r="http://schemas.openxmlformats.org/officeDocument/2006/relationships" xmlns:p="http://schemas.openxmlformats.org/presentationml/2006/main">
-  <p:cSld>
-    <p:spTree>
-      <p:nvGrpSpPr>
-        <p:cNvPr id="1" name=""/>
-        <p:cNvGrpSpPr/>
-        <p:nvPr/>
-      </p:nvGrpSpPr>
-      <p:grpSpPr>
-        <a:xfrm>
-          <a:off x="0" y="0"/>
-          <a:ext cx="0" cy="0"/>
-          <a:chOff x="0" y="0"/>
-          <a:chExt cx="0" cy="0"/>
-        </a:xfrm>
-      </p:grpSpPr>
       <p:grpSp>
         <p:nvGrpSpPr>
-          <p:cNvPr id="6" name="그룹 5">
+          <p:cNvPr id="13" name="그룹 12">
             <a:extLst>
               <a:ext uri="{FF2B5EF4-FFF2-40B4-BE49-F238E27FC236}">
-                <a16:creationId xmlns:a16="http://schemas.microsoft.com/office/drawing/2014/main" id="{CA7BD838-D4FB-4EA7-B68C-FA7B6D147BA2}"/>
+                <a16:creationId xmlns:a16="http://schemas.microsoft.com/office/drawing/2014/main" id="{E0B310B4-FD10-4E92-8992-1A296943B4BE}"/>
               </a:ext>
             </a:extLst>
           </p:cNvPr>
@@ -20162,10 +20010,10 @@
         </p:grpSpPr>
         <p:sp>
           <p:nvSpPr>
-            <p:cNvPr id="18" name="TextBox 17">
+            <p:cNvPr id="16" name="TextBox 15">
               <a:extLst>
                 <a:ext uri="{FF2B5EF4-FFF2-40B4-BE49-F238E27FC236}">
-                  <a16:creationId xmlns:a16="http://schemas.microsoft.com/office/drawing/2014/main" id="{D7B7EE40-BAD9-4569-9BF6-F6E9ACA78A3C}"/>
+                  <a16:creationId xmlns:a16="http://schemas.microsoft.com/office/drawing/2014/main" id="{03B05691-4ACB-43EF-8687-DAFD5F930A0E}"/>
                 </a:ext>
               </a:extLst>
             </p:cNvPr>
@@ -20201,17 +20049,17 @@
                   <a:latin typeface="빙그레 메로나체" panose="020B0503000000000000" pitchFamily="50" charset="-127"/>
                   <a:ea typeface="빙그레 메로나체" panose="020B0503000000000000" pitchFamily="50" charset="-127"/>
                 </a:rPr>
-                <a:t>React</a:t>
+                <a:t>Hooks</a:t>
               </a:r>
             </a:p>
           </p:txBody>
         </p:sp>
         <p:sp>
           <p:nvSpPr>
-            <p:cNvPr id="5" name="직사각형 4">
+            <p:cNvPr id="19" name="직사각형 18">
               <a:extLst>
                 <a:ext uri="{FF2B5EF4-FFF2-40B4-BE49-F238E27FC236}">
-                  <a16:creationId xmlns:a16="http://schemas.microsoft.com/office/drawing/2014/main" id="{AB4C8245-D0E4-4D79-B3E9-2FB89CE6FE84}"/>
+                  <a16:creationId xmlns:a16="http://schemas.microsoft.com/office/drawing/2014/main" id="{030716C4-25AF-47AA-BAE9-D31A54563B0A}"/>
                 </a:ext>
               </a:extLst>
             </p:cNvPr>
@@ -20262,6 +20110,36 @@
           </p:txBody>
         </p:sp>
       </p:grpSp>
+    </p:spTree>
+    <p:extLst>
+      <p:ext uri="{BB962C8B-B14F-4D97-AF65-F5344CB8AC3E}">
+        <p14:creationId xmlns:p14="http://schemas.microsoft.com/office/powerpoint/2010/main" val="1728300318"/>
+      </p:ext>
+    </p:extLst>
+  </p:cSld>
+  <p:clrMapOvr>
+    <a:masterClrMapping/>
+  </p:clrMapOvr>
+</p:sld>
+</file>
+
+<file path=ppt/slides/slide16.xml><?xml version="1.0" encoding="utf-8"?>
+<p:sld xmlns:a="http://schemas.openxmlformats.org/drawingml/2006/main" xmlns:r="http://schemas.openxmlformats.org/officeDocument/2006/relationships" xmlns:p="http://schemas.openxmlformats.org/presentationml/2006/main">
+  <p:cSld>
+    <p:spTree>
+      <p:nvGrpSpPr>
+        <p:cNvPr id="1" name=""/>
+        <p:cNvGrpSpPr/>
+        <p:nvPr/>
+      </p:nvGrpSpPr>
+      <p:grpSpPr>
+        <a:xfrm>
+          <a:off x="0" y="0"/>
+          <a:ext cx="0" cy="0"/>
+          <a:chOff x="0" y="0"/>
+          <a:chExt cx="0" cy="0"/>
+        </a:xfrm>
+      </p:grpSpPr>
       <p:sp>
         <p:nvSpPr>
           <p:cNvPr id="30" name="TextBox 29">
@@ -20750,42 +20628,12 @@
           </a:p>
         </p:txBody>
       </p:sp>
-    </p:spTree>
-    <p:extLst>
-      <p:ext uri="{BB962C8B-B14F-4D97-AF65-F5344CB8AC3E}">
-        <p14:creationId xmlns:p14="http://schemas.microsoft.com/office/powerpoint/2010/main" val="2738963356"/>
-      </p:ext>
-    </p:extLst>
-  </p:cSld>
-  <p:clrMapOvr>
-    <a:masterClrMapping/>
-  </p:clrMapOvr>
-</p:sld>
-</file>
-
-<file path=ppt/slides/slide17.xml><?xml version="1.0" encoding="utf-8"?>
-<p:sld xmlns:a="http://schemas.openxmlformats.org/drawingml/2006/main" xmlns:r="http://schemas.openxmlformats.org/officeDocument/2006/relationships" xmlns:p="http://schemas.openxmlformats.org/presentationml/2006/main">
-  <p:cSld>
-    <p:spTree>
-      <p:nvGrpSpPr>
-        <p:cNvPr id="1" name=""/>
-        <p:cNvGrpSpPr/>
-        <p:nvPr/>
-      </p:nvGrpSpPr>
-      <p:grpSpPr>
-        <a:xfrm>
-          <a:off x="0" y="0"/>
-          <a:ext cx="0" cy="0"/>
-          <a:chOff x="0" y="0"/>
-          <a:chExt cx="0" cy="0"/>
-        </a:xfrm>
-      </p:grpSpPr>
       <p:grpSp>
         <p:nvGrpSpPr>
-          <p:cNvPr id="6" name="그룹 5">
+          <p:cNvPr id="11" name="그룹 10">
             <a:extLst>
               <a:ext uri="{FF2B5EF4-FFF2-40B4-BE49-F238E27FC236}">
-                <a16:creationId xmlns:a16="http://schemas.microsoft.com/office/drawing/2014/main" id="{CA7BD838-D4FB-4EA7-B68C-FA7B6D147BA2}"/>
+                <a16:creationId xmlns:a16="http://schemas.microsoft.com/office/drawing/2014/main" id="{C225A0F3-790C-416E-8CF7-8F6021A00F95}"/>
               </a:ext>
             </a:extLst>
           </p:cNvPr>
@@ -20802,10 +20650,10 @@
         </p:grpSpPr>
         <p:sp>
           <p:nvSpPr>
-            <p:cNvPr id="18" name="TextBox 17">
+            <p:cNvPr id="13" name="TextBox 12">
               <a:extLst>
                 <a:ext uri="{FF2B5EF4-FFF2-40B4-BE49-F238E27FC236}">
-                  <a16:creationId xmlns:a16="http://schemas.microsoft.com/office/drawing/2014/main" id="{D7B7EE40-BAD9-4569-9BF6-F6E9ACA78A3C}"/>
+                  <a16:creationId xmlns:a16="http://schemas.microsoft.com/office/drawing/2014/main" id="{D5C685FD-4B5B-4400-A0F0-475A1D462648}"/>
                 </a:ext>
               </a:extLst>
             </p:cNvPr>
@@ -20841,17 +20689,17 @@
                   <a:latin typeface="빙그레 메로나체" panose="020B0503000000000000" pitchFamily="50" charset="-127"/>
                   <a:ea typeface="빙그레 메로나체" panose="020B0503000000000000" pitchFamily="50" charset="-127"/>
                 </a:rPr>
-                <a:t>React</a:t>
+                <a:t>Hooks</a:t>
               </a:r>
             </a:p>
           </p:txBody>
         </p:sp>
         <p:sp>
           <p:nvSpPr>
-            <p:cNvPr id="5" name="직사각형 4">
+            <p:cNvPr id="14" name="직사각형 13">
               <a:extLst>
                 <a:ext uri="{FF2B5EF4-FFF2-40B4-BE49-F238E27FC236}">
-                  <a16:creationId xmlns:a16="http://schemas.microsoft.com/office/drawing/2014/main" id="{AB4C8245-D0E4-4D79-B3E9-2FB89CE6FE84}"/>
+                  <a16:creationId xmlns:a16="http://schemas.microsoft.com/office/drawing/2014/main" id="{84BE4AB0-CE46-40B2-BC62-E24EA1B45274}"/>
                 </a:ext>
               </a:extLst>
             </p:cNvPr>
@@ -20902,6 +20750,36 @@
           </p:txBody>
         </p:sp>
       </p:grpSp>
+    </p:spTree>
+    <p:extLst>
+      <p:ext uri="{BB962C8B-B14F-4D97-AF65-F5344CB8AC3E}">
+        <p14:creationId xmlns:p14="http://schemas.microsoft.com/office/powerpoint/2010/main" val="2738963356"/>
+      </p:ext>
+    </p:extLst>
+  </p:cSld>
+  <p:clrMapOvr>
+    <a:masterClrMapping/>
+  </p:clrMapOvr>
+</p:sld>
+</file>
+
+<file path=ppt/slides/slide17.xml><?xml version="1.0" encoding="utf-8"?>
+<p:sld xmlns:a="http://schemas.openxmlformats.org/drawingml/2006/main" xmlns:r="http://schemas.openxmlformats.org/officeDocument/2006/relationships" xmlns:p="http://schemas.openxmlformats.org/presentationml/2006/main">
+  <p:cSld>
+    <p:spTree>
+      <p:nvGrpSpPr>
+        <p:cNvPr id="1" name=""/>
+        <p:cNvGrpSpPr/>
+        <p:nvPr/>
+      </p:nvGrpSpPr>
+      <p:grpSpPr>
+        <a:xfrm>
+          <a:off x="0" y="0"/>
+          <a:ext cx="0" cy="0"/>
+          <a:chOff x="0" y="0"/>
+          <a:chExt cx="0" cy="0"/>
+        </a:xfrm>
+      </p:grpSpPr>
       <p:sp>
         <p:nvSpPr>
           <p:cNvPr id="30" name="TextBox 29">
@@ -21724,42 +21602,12 @@
           </a:p>
         </p:txBody>
       </p:sp>
-    </p:spTree>
-    <p:extLst>
-      <p:ext uri="{BB962C8B-B14F-4D97-AF65-F5344CB8AC3E}">
-        <p14:creationId xmlns:p14="http://schemas.microsoft.com/office/powerpoint/2010/main" val="4146507402"/>
-      </p:ext>
-    </p:extLst>
-  </p:cSld>
-  <p:clrMapOvr>
-    <a:masterClrMapping/>
-  </p:clrMapOvr>
-</p:sld>
-</file>
-
-<file path=ppt/slides/slide18.xml><?xml version="1.0" encoding="utf-8"?>
-<p:sld xmlns:a="http://schemas.openxmlformats.org/drawingml/2006/main" xmlns:r="http://schemas.openxmlformats.org/officeDocument/2006/relationships" xmlns:p="http://schemas.openxmlformats.org/presentationml/2006/main">
-  <p:cSld>
-    <p:spTree>
-      <p:nvGrpSpPr>
-        <p:cNvPr id="1" name=""/>
-        <p:cNvGrpSpPr/>
-        <p:nvPr/>
-      </p:nvGrpSpPr>
-      <p:grpSpPr>
-        <a:xfrm>
-          <a:off x="0" y="0"/>
-          <a:ext cx="0" cy="0"/>
-          <a:chOff x="0" y="0"/>
-          <a:chExt cx="0" cy="0"/>
-        </a:xfrm>
-      </p:grpSpPr>
       <p:grpSp>
         <p:nvGrpSpPr>
-          <p:cNvPr id="6" name="그룹 5">
+          <p:cNvPr id="13" name="그룹 12">
             <a:extLst>
               <a:ext uri="{FF2B5EF4-FFF2-40B4-BE49-F238E27FC236}">
-                <a16:creationId xmlns:a16="http://schemas.microsoft.com/office/drawing/2014/main" id="{CA7BD838-D4FB-4EA7-B68C-FA7B6D147BA2}"/>
+                <a16:creationId xmlns:a16="http://schemas.microsoft.com/office/drawing/2014/main" id="{8E0243BA-4165-4BF7-B999-1F575838A242}"/>
               </a:ext>
             </a:extLst>
           </p:cNvPr>
@@ -21776,10 +21624,10 @@
         </p:grpSpPr>
         <p:sp>
           <p:nvSpPr>
-            <p:cNvPr id="18" name="TextBox 17">
+            <p:cNvPr id="14" name="TextBox 13">
               <a:extLst>
                 <a:ext uri="{FF2B5EF4-FFF2-40B4-BE49-F238E27FC236}">
-                  <a16:creationId xmlns:a16="http://schemas.microsoft.com/office/drawing/2014/main" id="{D7B7EE40-BAD9-4569-9BF6-F6E9ACA78A3C}"/>
+                  <a16:creationId xmlns:a16="http://schemas.microsoft.com/office/drawing/2014/main" id="{A7C2DB69-421F-4DD3-8D11-9CBF02569583}"/>
                 </a:ext>
               </a:extLst>
             </p:cNvPr>
@@ -21815,17 +21663,17 @@
                   <a:latin typeface="빙그레 메로나체" panose="020B0503000000000000" pitchFamily="50" charset="-127"/>
                   <a:ea typeface="빙그레 메로나체" panose="020B0503000000000000" pitchFamily="50" charset="-127"/>
                 </a:rPr>
-                <a:t>React</a:t>
+                <a:t>Hooks</a:t>
               </a:r>
             </a:p>
           </p:txBody>
         </p:sp>
         <p:sp>
           <p:nvSpPr>
-            <p:cNvPr id="5" name="직사각형 4">
+            <p:cNvPr id="15" name="직사각형 14">
               <a:extLst>
                 <a:ext uri="{FF2B5EF4-FFF2-40B4-BE49-F238E27FC236}">
-                  <a16:creationId xmlns:a16="http://schemas.microsoft.com/office/drawing/2014/main" id="{AB4C8245-D0E4-4D79-B3E9-2FB89CE6FE84}"/>
+                  <a16:creationId xmlns:a16="http://schemas.microsoft.com/office/drawing/2014/main" id="{770109A7-2734-434E-B8AD-6D37C7570E42}"/>
                 </a:ext>
               </a:extLst>
             </p:cNvPr>
@@ -21876,6 +21724,36 @@
           </p:txBody>
         </p:sp>
       </p:grpSp>
+    </p:spTree>
+    <p:extLst>
+      <p:ext uri="{BB962C8B-B14F-4D97-AF65-F5344CB8AC3E}">
+        <p14:creationId xmlns:p14="http://schemas.microsoft.com/office/powerpoint/2010/main" val="4146507402"/>
+      </p:ext>
+    </p:extLst>
+  </p:cSld>
+  <p:clrMapOvr>
+    <a:masterClrMapping/>
+  </p:clrMapOvr>
+</p:sld>
+</file>
+
+<file path=ppt/slides/slide18.xml><?xml version="1.0" encoding="utf-8"?>
+<p:sld xmlns:a="http://schemas.openxmlformats.org/drawingml/2006/main" xmlns:r="http://schemas.openxmlformats.org/officeDocument/2006/relationships" xmlns:p="http://schemas.openxmlformats.org/presentationml/2006/main">
+  <p:cSld>
+    <p:spTree>
+      <p:nvGrpSpPr>
+        <p:cNvPr id="1" name=""/>
+        <p:cNvGrpSpPr/>
+        <p:nvPr/>
+      </p:nvGrpSpPr>
+      <p:grpSpPr>
+        <a:xfrm>
+          <a:off x="0" y="0"/>
+          <a:ext cx="0" cy="0"/>
+          <a:chOff x="0" y="0"/>
+          <a:chExt cx="0" cy="0"/>
+        </a:xfrm>
+      </p:grpSpPr>
       <p:sp>
         <p:nvSpPr>
           <p:cNvPr id="30" name="TextBox 29">
@@ -22592,42 +22470,12 @@
           </a:p>
         </p:txBody>
       </p:sp>
-    </p:spTree>
-    <p:extLst>
-      <p:ext uri="{BB962C8B-B14F-4D97-AF65-F5344CB8AC3E}">
-        <p14:creationId xmlns:p14="http://schemas.microsoft.com/office/powerpoint/2010/main" val="4167579160"/>
-      </p:ext>
-    </p:extLst>
-  </p:cSld>
-  <p:clrMapOvr>
-    <a:masterClrMapping/>
-  </p:clrMapOvr>
-</p:sld>
-</file>
-
-<file path=ppt/slides/slide19.xml><?xml version="1.0" encoding="utf-8"?>
-<p:sld xmlns:a="http://schemas.openxmlformats.org/drawingml/2006/main" xmlns:r="http://schemas.openxmlformats.org/officeDocument/2006/relationships" xmlns:p="http://schemas.openxmlformats.org/presentationml/2006/main">
-  <p:cSld>
-    <p:spTree>
-      <p:nvGrpSpPr>
-        <p:cNvPr id="1" name=""/>
-        <p:cNvGrpSpPr/>
-        <p:nvPr/>
-      </p:nvGrpSpPr>
-      <p:grpSpPr>
-        <a:xfrm>
-          <a:off x="0" y="0"/>
-          <a:ext cx="0" cy="0"/>
-          <a:chOff x="0" y="0"/>
-          <a:chExt cx="0" cy="0"/>
-        </a:xfrm>
-      </p:grpSpPr>
       <p:grpSp>
         <p:nvGrpSpPr>
-          <p:cNvPr id="6" name="그룹 5">
+          <p:cNvPr id="12" name="그룹 11">
             <a:extLst>
               <a:ext uri="{FF2B5EF4-FFF2-40B4-BE49-F238E27FC236}">
-                <a16:creationId xmlns:a16="http://schemas.microsoft.com/office/drawing/2014/main" id="{CA7BD838-D4FB-4EA7-B68C-FA7B6D147BA2}"/>
+                <a16:creationId xmlns:a16="http://schemas.microsoft.com/office/drawing/2014/main" id="{2C4C1969-2A86-4DF3-A926-D06AF896765D}"/>
               </a:ext>
             </a:extLst>
           </p:cNvPr>
@@ -22644,10 +22492,10 @@
         </p:grpSpPr>
         <p:sp>
           <p:nvSpPr>
-            <p:cNvPr id="18" name="TextBox 17">
+            <p:cNvPr id="13" name="TextBox 12">
               <a:extLst>
                 <a:ext uri="{FF2B5EF4-FFF2-40B4-BE49-F238E27FC236}">
-                  <a16:creationId xmlns:a16="http://schemas.microsoft.com/office/drawing/2014/main" id="{D7B7EE40-BAD9-4569-9BF6-F6E9ACA78A3C}"/>
+                  <a16:creationId xmlns:a16="http://schemas.microsoft.com/office/drawing/2014/main" id="{1DEEFBF8-D05C-4664-B250-932C6E22780D}"/>
                 </a:ext>
               </a:extLst>
             </p:cNvPr>
@@ -22683,17 +22531,17 @@
                   <a:latin typeface="빙그레 메로나체" panose="020B0503000000000000" pitchFamily="50" charset="-127"/>
                   <a:ea typeface="빙그레 메로나체" panose="020B0503000000000000" pitchFamily="50" charset="-127"/>
                 </a:rPr>
-                <a:t>React</a:t>
+                <a:t>Hooks</a:t>
               </a:r>
             </a:p>
           </p:txBody>
         </p:sp>
         <p:sp>
           <p:nvSpPr>
-            <p:cNvPr id="5" name="직사각형 4">
+            <p:cNvPr id="14" name="직사각형 13">
               <a:extLst>
                 <a:ext uri="{FF2B5EF4-FFF2-40B4-BE49-F238E27FC236}">
-                  <a16:creationId xmlns:a16="http://schemas.microsoft.com/office/drawing/2014/main" id="{AB4C8245-D0E4-4D79-B3E9-2FB89CE6FE84}"/>
+                  <a16:creationId xmlns:a16="http://schemas.microsoft.com/office/drawing/2014/main" id="{BDAA8772-345B-4FAB-A427-5E737E3DE6D4}"/>
                 </a:ext>
               </a:extLst>
             </p:cNvPr>
@@ -22744,6 +22592,36 @@
           </p:txBody>
         </p:sp>
       </p:grpSp>
+    </p:spTree>
+    <p:extLst>
+      <p:ext uri="{BB962C8B-B14F-4D97-AF65-F5344CB8AC3E}">
+        <p14:creationId xmlns:p14="http://schemas.microsoft.com/office/powerpoint/2010/main" val="4167579160"/>
+      </p:ext>
+    </p:extLst>
+  </p:cSld>
+  <p:clrMapOvr>
+    <a:masterClrMapping/>
+  </p:clrMapOvr>
+</p:sld>
+</file>
+
+<file path=ppt/slides/slide19.xml><?xml version="1.0" encoding="utf-8"?>
+<p:sld xmlns:a="http://schemas.openxmlformats.org/drawingml/2006/main" xmlns:r="http://schemas.openxmlformats.org/officeDocument/2006/relationships" xmlns:p="http://schemas.openxmlformats.org/presentationml/2006/main">
+  <p:cSld>
+    <p:spTree>
+      <p:nvGrpSpPr>
+        <p:cNvPr id="1" name=""/>
+        <p:cNvGrpSpPr/>
+        <p:nvPr/>
+      </p:nvGrpSpPr>
+      <p:grpSpPr>
+        <a:xfrm>
+          <a:off x="0" y="0"/>
+          <a:ext cx="0" cy="0"/>
+          <a:chOff x="0" y="0"/>
+          <a:chExt cx="0" cy="0"/>
+        </a:xfrm>
+      </p:grpSpPr>
       <p:sp>
         <p:nvSpPr>
           <p:cNvPr id="30" name="TextBox 29">
@@ -23264,6 +23142,128 @@
           </a:p>
         </p:txBody>
       </p:sp>
+      <p:grpSp>
+        <p:nvGrpSpPr>
+          <p:cNvPr id="14" name="그룹 13">
+            <a:extLst>
+              <a:ext uri="{FF2B5EF4-FFF2-40B4-BE49-F238E27FC236}">
+                <a16:creationId xmlns:a16="http://schemas.microsoft.com/office/drawing/2014/main" id="{6B6EC5B5-9D1F-4234-811A-5D5E53CE8796}"/>
+              </a:ext>
+            </a:extLst>
+          </p:cNvPr>
+          <p:cNvGrpSpPr/>
+          <p:nvPr/>
+        </p:nvGrpSpPr>
+        <p:grpSpPr>
+          <a:xfrm>
+            <a:off x="159192" y="182880"/>
+            <a:ext cx="1852488" cy="854227"/>
+            <a:chOff x="640080" y="-971550"/>
+            <a:chExt cx="1660746" cy="765810"/>
+          </a:xfrm>
+        </p:grpSpPr>
+        <p:sp>
+          <p:nvSpPr>
+            <p:cNvPr id="19" name="TextBox 18">
+              <a:extLst>
+                <a:ext uri="{FF2B5EF4-FFF2-40B4-BE49-F238E27FC236}">
+                  <a16:creationId xmlns:a16="http://schemas.microsoft.com/office/drawing/2014/main" id="{39AC9149-F241-4B19-BD52-A1825AEB9479}"/>
+                </a:ext>
+              </a:extLst>
+            </p:cNvPr>
+            <p:cNvSpPr txBox="1"/>
+            <p:nvPr/>
+          </p:nvSpPr>
+          <p:spPr>
+            <a:xfrm>
+              <a:off x="683325" y="-770703"/>
+              <a:ext cx="1576513" cy="358697"/>
+            </a:xfrm>
+            <a:prstGeom prst="rect">
+              <a:avLst/>
+            </a:prstGeom>
+            <a:noFill/>
+          </p:spPr>
+          <p:txBody>
+            <a:bodyPr wrap="square" rtlCol="0" anchor="ctr">
+              <a:spAutoFit/>
+            </a:bodyPr>
+            <a:lstStyle/>
+            <a:p>
+              <a:pPr algn="ctr"/>
+              <a:r>
+                <a:rPr lang="en-US" altLang="ko-KR" sz="2000">
+                  <a:ln>
+                    <a:solidFill>
+                      <a:schemeClr val="tx1">
+                        <a:alpha val="30000"/>
+                      </a:schemeClr>
+                    </a:solidFill>
+                  </a:ln>
+                  <a:latin typeface="빙그레 메로나체" panose="020B0503000000000000" pitchFamily="50" charset="-127"/>
+                  <a:ea typeface="빙그레 메로나체" panose="020B0503000000000000" pitchFamily="50" charset="-127"/>
+                </a:rPr>
+                <a:t>Hooks</a:t>
+              </a:r>
+            </a:p>
+          </p:txBody>
+        </p:sp>
+        <p:sp>
+          <p:nvSpPr>
+            <p:cNvPr id="20" name="직사각형 19">
+              <a:extLst>
+                <a:ext uri="{FF2B5EF4-FFF2-40B4-BE49-F238E27FC236}">
+                  <a16:creationId xmlns:a16="http://schemas.microsoft.com/office/drawing/2014/main" id="{DFE58FEA-1C72-4419-9BBB-DC5C32A6867D}"/>
+                </a:ext>
+              </a:extLst>
+            </p:cNvPr>
+            <p:cNvSpPr/>
+            <p:nvPr/>
+          </p:nvSpPr>
+          <p:spPr>
+            <a:xfrm>
+              <a:off x="640080" y="-971550"/>
+              <a:ext cx="1660746" cy="765810"/>
+            </a:xfrm>
+            <a:prstGeom prst="rect">
+              <a:avLst/>
+            </a:prstGeom>
+            <a:noFill/>
+            <a:ln w="25400">
+              <a:solidFill>
+                <a:schemeClr val="tx1"/>
+              </a:solidFill>
+            </a:ln>
+          </p:spPr>
+          <p:style>
+            <a:lnRef idx="2">
+              <a:schemeClr val="accent1">
+                <a:shade val="50000"/>
+              </a:schemeClr>
+            </a:lnRef>
+            <a:fillRef idx="1">
+              <a:schemeClr val="accent1"/>
+            </a:fillRef>
+            <a:effectRef idx="0">
+              <a:schemeClr val="accent1"/>
+            </a:effectRef>
+            <a:fontRef idx="minor">
+              <a:schemeClr val="lt1"/>
+            </a:fontRef>
+          </p:style>
+          <p:txBody>
+            <a:bodyPr rtlCol="0" anchor="ctr"/>
+            <a:lstStyle/>
+            <a:p>
+              <a:pPr algn="ctr"/>
+              <a:endParaRPr lang="ko-KR" altLang="en-US">
+                <a:latin typeface="빙그레 메로나체" panose="020B0503000000000000" pitchFamily="50" charset="-127"/>
+                <a:ea typeface="빙그레 메로나체" panose="020B0503000000000000" pitchFamily="50" charset="-127"/>
+              </a:endParaRPr>
+            </a:p>
+          </p:txBody>
+        </p:sp>
+      </p:grpSp>
     </p:spTree>
     <p:extLst>
       <p:ext uri="{BB962C8B-B14F-4D97-AF65-F5344CB8AC3E}">
@@ -23838,128 +23838,6 @@
           <a:chExt cx="0" cy="0"/>
         </a:xfrm>
       </p:grpSpPr>
-      <p:grpSp>
-        <p:nvGrpSpPr>
-          <p:cNvPr id="6" name="그룹 5">
-            <a:extLst>
-              <a:ext uri="{FF2B5EF4-FFF2-40B4-BE49-F238E27FC236}">
-                <a16:creationId xmlns:a16="http://schemas.microsoft.com/office/drawing/2014/main" id="{CA7BD838-D4FB-4EA7-B68C-FA7B6D147BA2}"/>
-              </a:ext>
-            </a:extLst>
-          </p:cNvPr>
-          <p:cNvGrpSpPr/>
-          <p:nvPr/>
-        </p:nvGrpSpPr>
-        <p:grpSpPr>
-          <a:xfrm>
-            <a:off x="159192" y="182880"/>
-            <a:ext cx="1852488" cy="854227"/>
-            <a:chOff x="640080" y="-971550"/>
-            <a:chExt cx="1660746" cy="765810"/>
-          </a:xfrm>
-        </p:grpSpPr>
-        <p:sp>
-          <p:nvSpPr>
-            <p:cNvPr id="18" name="TextBox 17">
-              <a:extLst>
-                <a:ext uri="{FF2B5EF4-FFF2-40B4-BE49-F238E27FC236}">
-                  <a16:creationId xmlns:a16="http://schemas.microsoft.com/office/drawing/2014/main" id="{D7B7EE40-BAD9-4569-9BF6-F6E9ACA78A3C}"/>
-                </a:ext>
-              </a:extLst>
-            </p:cNvPr>
-            <p:cNvSpPr txBox="1"/>
-            <p:nvPr/>
-          </p:nvSpPr>
-          <p:spPr>
-            <a:xfrm>
-              <a:off x="683325" y="-770703"/>
-              <a:ext cx="1576513" cy="358697"/>
-            </a:xfrm>
-            <a:prstGeom prst="rect">
-              <a:avLst/>
-            </a:prstGeom>
-            <a:noFill/>
-          </p:spPr>
-          <p:txBody>
-            <a:bodyPr wrap="square" rtlCol="0" anchor="ctr">
-              <a:spAutoFit/>
-            </a:bodyPr>
-            <a:lstStyle/>
-            <a:p>
-              <a:pPr algn="ctr"/>
-              <a:r>
-                <a:rPr lang="en-US" altLang="ko-KR" sz="2000">
-                  <a:ln>
-                    <a:solidFill>
-                      <a:schemeClr val="tx1">
-                        <a:alpha val="30000"/>
-                      </a:schemeClr>
-                    </a:solidFill>
-                  </a:ln>
-                  <a:latin typeface="빙그레 메로나체" panose="020B0503000000000000" pitchFamily="50" charset="-127"/>
-                  <a:ea typeface="빙그레 메로나체" panose="020B0503000000000000" pitchFamily="50" charset="-127"/>
-                </a:rPr>
-                <a:t>React</a:t>
-              </a:r>
-            </a:p>
-          </p:txBody>
-        </p:sp>
-        <p:sp>
-          <p:nvSpPr>
-            <p:cNvPr id="5" name="직사각형 4">
-              <a:extLst>
-                <a:ext uri="{FF2B5EF4-FFF2-40B4-BE49-F238E27FC236}">
-                  <a16:creationId xmlns:a16="http://schemas.microsoft.com/office/drawing/2014/main" id="{AB4C8245-D0E4-4D79-B3E9-2FB89CE6FE84}"/>
-                </a:ext>
-              </a:extLst>
-            </p:cNvPr>
-            <p:cNvSpPr/>
-            <p:nvPr/>
-          </p:nvSpPr>
-          <p:spPr>
-            <a:xfrm>
-              <a:off x="640080" y="-971550"/>
-              <a:ext cx="1660746" cy="765810"/>
-            </a:xfrm>
-            <a:prstGeom prst="rect">
-              <a:avLst/>
-            </a:prstGeom>
-            <a:noFill/>
-            <a:ln w="25400">
-              <a:solidFill>
-                <a:schemeClr val="tx1"/>
-              </a:solidFill>
-            </a:ln>
-          </p:spPr>
-          <p:style>
-            <a:lnRef idx="2">
-              <a:schemeClr val="accent1">
-                <a:shade val="50000"/>
-              </a:schemeClr>
-            </a:lnRef>
-            <a:fillRef idx="1">
-              <a:schemeClr val="accent1"/>
-            </a:fillRef>
-            <a:effectRef idx="0">
-              <a:schemeClr val="accent1"/>
-            </a:effectRef>
-            <a:fontRef idx="minor">
-              <a:schemeClr val="lt1"/>
-            </a:fontRef>
-          </p:style>
-          <p:txBody>
-            <a:bodyPr rtlCol="0" anchor="ctr"/>
-            <a:lstStyle/>
-            <a:p>
-              <a:pPr algn="ctr"/>
-              <a:endParaRPr lang="ko-KR" altLang="en-US">
-                <a:latin typeface="빙그레 메로나체" panose="020B0503000000000000" pitchFamily="50" charset="-127"/>
-                <a:ea typeface="빙그레 메로나체" panose="020B0503000000000000" pitchFamily="50" charset="-127"/>
-              </a:endParaRPr>
-            </a:p>
-          </p:txBody>
-        </p:sp>
-      </p:grpSp>
       <p:sp>
         <p:nvSpPr>
           <p:cNvPr id="30" name="TextBox 29">
@@ -25898,42 +25776,12 @@
           </a:ln>
         </p:spPr>
       </p:pic>
-    </p:spTree>
-    <p:extLst>
-      <p:ext uri="{BB962C8B-B14F-4D97-AF65-F5344CB8AC3E}">
-        <p14:creationId xmlns:p14="http://schemas.microsoft.com/office/powerpoint/2010/main" val="2195774948"/>
-      </p:ext>
-    </p:extLst>
-  </p:cSld>
-  <p:clrMapOvr>
-    <a:masterClrMapping/>
-  </p:clrMapOvr>
-</p:sld>
-</file>
-
-<file path=ppt/slides/slide21.xml><?xml version="1.0" encoding="utf-8"?>
-<p:sld xmlns:a="http://schemas.openxmlformats.org/drawingml/2006/main" xmlns:r="http://schemas.openxmlformats.org/officeDocument/2006/relationships" xmlns:p="http://schemas.openxmlformats.org/presentationml/2006/main">
-  <p:cSld>
-    <p:spTree>
-      <p:nvGrpSpPr>
-        <p:cNvPr id="1" name=""/>
-        <p:cNvGrpSpPr/>
-        <p:nvPr/>
-      </p:nvGrpSpPr>
-      <p:grpSpPr>
-        <a:xfrm>
-          <a:off x="0" y="0"/>
-          <a:ext cx="0" cy="0"/>
-          <a:chOff x="0" y="0"/>
-          <a:chExt cx="0" cy="0"/>
-        </a:xfrm>
-      </p:grpSpPr>
       <p:grpSp>
         <p:nvGrpSpPr>
-          <p:cNvPr id="6" name="그룹 5">
+          <p:cNvPr id="13" name="그룹 12">
             <a:extLst>
               <a:ext uri="{FF2B5EF4-FFF2-40B4-BE49-F238E27FC236}">
-                <a16:creationId xmlns:a16="http://schemas.microsoft.com/office/drawing/2014/main" id="{CA7BD838-D4FB-4EA7-B68C-FA7B6D147BA2}"/>
+                <a16:creationId xmlns:a16="http://schemas.microsoft.com/office/drawing/2014/main" id="{236E384D-71B6-43D7-AC5E-E89F88E753A0}"/>
               </a:ext>
             </a:extLst>
           </p:cNvPr>
@@ -25950,10 +25798,10 @@
         </p:grpSpPr>
         <p:sp>
           <p:nvSpPr>
-            <p:cNvPr id="18" name="TextBox 17">
+            <p:cNvPr id="16" name="TextBox 15">
               <a:extLst>
                 <a:ext uri="{FF2B5EF4-FFF2-40B4-BE49-F238E27FC236}">
-                  <a16:creationId xmlns:a16="http://schemas.microsoft.com/office/drawing/2014/main" id="{D7B7EE40-BAD9-4569-9BF6-F6E9ACA78A3C}"/>
+                  <a16:creationId xmlns:a16="http://schemas.microsoft.com/office/drawing/2014/main" id="{31672F8F-C4BD-463B-BB3F-3B7824491224}"/>
                 </a:ext>
               </a:extLst>
             </p:cNvPr>
@@ -25989,17 +25837,17 @@
                   <a:latin typeface="빙그레 메로나체" panose="020B0503000000000000" pitchFamily="50" charset="-127"/>
                   <a:ea typeface="빙그레 메로나체" panose="020B0503000000000000" pitchFamily="50" charset="-127"/>
                 </a:rPr>
-                <a:t>React</a:t>
+                <a:t>Hooks</a:t>
               </a:r>
             </a:p>
           </p:txBody>
         </p:sp>
         <p:sp>
           <p:nvSpPr>
-            <p:cNvPr id="5" name="직사각형 4">
+            <p:cNvPr id="17" name="직사각형 16">
               <a:extLst>
                 <a:ext uri="{FF2B5EF4-FFF2-40B4-BE49-F238E27FC236}">
-                  <a16:creationId xmlns:a16="http://schemas.microsoft.com/office/drawing/2014/main" id="{AB4C8245-D0E4-4D79-B3E9-2FB89CE6FE84}"/>
+                  <a16:creationId xmlns:a16="http://schemas.microsoft.com/office/drawing/2014/main" id="{32DCFDE5-AFB6-4A95-9CFE-A778A78A6104}"/>
                 </a:ext>
               </a:extLst>
             </p:cNvPr>
@@ -26050,6 +25898,36 @@
           </p:txBody>
         </p:sp>
       </p:grpSp>
+    </p:spTree>
+    <p:extLst>
+      <p:ext uri="{BB962C8B-B14F-4D97-AF65-F5344CB8AC3E}">
+        <p14:creationId xmlns:p14="http://schemas.microsoft.com/office/powerpoint/2010/main" val="2195774948"/>
+      </p:ext>
+    </p:extLst>
+  </p:cSld>
+  <p:clrMapOvr>
+    <a:masterClrMapping/>
+  </p:clrMapOvr>
+</p:sld>
+</file>
+
+<file path=ppt/slides/slide21.xml><?xml version="1.0" encoding="utf-8"?>
+<p:sld xmlns:a="http://schemas.openxmlformats.org/drawingml/2006/main" xmlns:r="http://schemas.openxmlformats.org/officeDocument/2006/relationships" xmlns:p="http://schemas.openxmlformats.org/presentationml/2006/main">
+  <p:cSld>
+    <p:spTree>
+      <p:nvGrpSpPr>
+        <p:cNvPr id="1" name=""/>
+        <p:cNvGrpSpPr/>
+        <p:nvPr/>
+      </p:nvGrpSpPr>
+      <p:grpSpPr>
+        <a:xfrm>
+          <a:off x="0" y="0"/>
+          <a:ext cx="0" cy="0"/>
+          <a:chOff x="0" y="0"/>
+          <a:chExt cx="0" cy="0"/>
+        </a:xfrm>
+      </p:grpSpPr>
       <p:sp>
         <p:nvSpPr>
           <p:cNvPr id="30" name="TextBox 29">
@@ -27912,42 +27790,12 @@
           </a:ln>
         </p:spPr>
       </p:pic>
-    </p:spTree>
-    <p:extLst>
-      <p:ext uri="{BB962C8B-B14F-4D97-AF65-F5344CB8AC3E}">
-        <p14:creationId xmlns:p14="http://schemas.microsoft.com/office/powerpoint/2010/main" val="3183264743"/>
-      </p:ext>
-    </p:extLst>
-  </p:cSld>
-  <p:clrMapOvr>
-    <a:masterClrMapping/>
-  </p:clrMapOvr>
-</p:sld>
-</file>
-
-<file path=ppt/slides/slide22.xml><?xml version="1.0" encoding="utf-8"?>
-<p:sld xmlns:a="http://schemas.openxmlformats.org/drawingml/2006/main" xmlns:r="http://schemas.openxmlformats.org/officeDocument/2006/relationships" xmlns:p="http://schemas.openxmlformats.org/presentationml/2006/main">
-  <p:cSld>
-    <p:spTree>
-      <p:nvGrpSpPr>
-        <p:cNvPr id="1" name=""/>
-        <p:cNvGrpSpPr/>
-        <p:nvPr/>
-      </p:nvGrpSpPr>
-      <p:grpSpPr>
-        <a:xfrm>
-          <a:off x="0" y="0"/>
-          <a:ext cx="0" cy="0"/>
-          <a:chOff x="0" y="0"/>
-          <a:chExt cx="0" cy="0"/>
-        </a:xfrm>
-      </p:grpSpPr>
       <p:grpSp>
         <p:nvGrpSpPr>
-          <p:cNvPr id="6" name="그룹 5">
+          <p:cNvPr id="11" name="그룹 10">
             <a:extLst>
               <a:ext uri="{FF2B5EF4-FFF2-40B4-BE49-F238E27FC236}">
-                <a16:creationId xmlns:a16="http://schemas.microsoft.com/office/drawing/2014/main" id="{CA7BD838-D4FB-4EA7-B68C-FA7B6D147BA2}"/>
+                <a16:creationId xmlns:a16="http://schemas.microsoft.com/office/drawing/2014/main" id="{53F57350-502D-48F5-8CFF-A244A45976AD}"/>
               </a:ext>
             </a:extLst>
           </p:cNvPr>
@@ -27964,10 +27812,10 @@
         </p:grpSpPr>
         <p:sp>
           <p:nvSpPr>
-            <p:cNvPr id="18" name="TextBox 17">
+            <p:cNvPr id="14" name="TextBox 13">
               <a:extLst>
                 <a:ext uri="{FF2B5EF4-FFF2-40B4-BE49-F238E27FC236}">
-                  <a16:creationId xmlns:a16="http://schemas.microsoft.com/office/drawing/2014/main" id="{D7B7EE40-BAD9-4569-9BF6-F6E9ACA78A3C}"/>
+                  <a16:creationId xmlns:a16="http://schemas.microsoft.com/office/drawing/2014/main" id="{363E5A53-3838-470A-BA9C-33CA7CDD3978}"/>
                 </a:ext>
               </a:extLst>
             </p:cNvPr>
@@ -28003,17 +27851,17 @@
                   <a:latin typeface="빙그레 메로나체" panose="020B0503000000000000" pitchFamily="50" charset="-127"/>
                   <a:ea typeface="빙그레 메로나체" panose="020B0503000000000000" pitchFamily="50" charset="-127"/>
                 </a:rPr>
-                <a:t>React</a:t>
+                <a:t>Hooks</a:t>
               </a:r>
             </a:p>
           </p:txBody>
         </p:sp>
         <p:sp>
           <p:nvSpPr>
-            <p:cNvPr id="5" name="직사각형 4">
+            <p:cNvPr id="15" name="직사각형 14">
               <a:extLst>
                 <a:ext uri="{FF2B5EF4-FFF2-40B4-BE49-F238E27FC236}">
-                  <a16:creationId xmlns:a16="http://schemas.microsoft.com/office/drawing/2014/main" id="{AB4C8245-D0E4-4D79-B3E9-2FB89CE6FE84}"/>
+                  <a16:creationId xmlns:a16="http://schemas.microsoft.com/office/drawing/2014/main" id="{9A5338C4-FACC-462B-AE41-B21B2D9CB650}"/>
                 </a:ext>
               </a:extLst>
             </p:cNvPr>
@@ -28064,6 +27912,36 @@
           </p:txBody>
         </p:sp>
       </p:grpSp>
+    </p:spTree>
+    <p:extLst>
+      <p:ext uri="{BB962C8B-B14F-4D97-AF65-F5344CB8AC3E}">
+        <p14:creationId xmlns:p14="http://schemas.microsoft.com/office/powerpoint/2010/main" val="3183264743"/>
+      </p:ext>
+    </p:extLst>
+  </p:cSld>
+  <p:clrMapOvr>
+    <a:masterClrMapping/>
+  </p:clrMapOvr>
+</p:sld>
+</file>
+
+<file path=ppt/slides/slide22.xml><?xml version="1.0" encoding="utf-8"?>
+<p:sld xmlns:a="http://schemas.openxmlformats.org/drawingml/2006/main" xmlns:r="http://schemas.openxmlformats.org/officeDocument/2006/relationships" xmlns:p="http://schemas.openxmlformats.org/presentationml/2006/main">
+  <p:cSld>
+    <p:spTree>
+      <p:nvGrpSpPr>
+        <p:cNvPr id="1" name=""/>
+        <p:cNvGrpSpPr/>
+        <p:nvPr/>
+      </p:nvGrpSpPr>
+      <p:grpSpPr>
+        <a:xfrm>
+          <a:off x="0" y="0"/>
+          <a:ext cx="0" cy="0"/>
+          <a:chOff x="0" y="0"/>
+          <a:chExt cx="0" cy="0"/>
+        </a:xfrm>
+      </p:grpSpPr>
       <p:sp>
         <p:nvSpPr>
           <p:cNvPr id="30" name="TextBox 29">
@@ -29948,42 +29826,12 @@
           </a:ln>
         </p:spPr>
       </p:pic>
-    </p:spTree>
-    <p:extLst>
-      <p:ext uri="{BB962C8B-B14F-4D97-AF65-F5344CB8AC3E}">
-        <p14:creationId xmlns:p14="http://schemas.microsoft.com/office/powerpoint/2010/main" val="3808561041"/>
-      </p:ext>
-    </p:extLst>
-  </p:cSld>
-  <p:clrMapOvr>
-    <a:masterClrMapping/>
-  </p:clrMapOvr>
-</p:sld>
-</file>
-
-<file path=ppt/slides/slide23.xml><?xml version="1.0" encoding="utf-8"?>
-<p:sld xmlns:a="http://schemas.openxmlformats.org/drawingml/2006/main" xmlns:r="http://schemas.openxmlformats.org/officeDocument/2006/relationships" xmlns:p="http://schemas.openxmlformats.org/presentationml/2006/main">
-  <p:cSld>
-    <p:spTree>
-      <p:nvGrpSpPr>
-        <p:cNvPr id="1" name=""/>
-        <p:cNvGrpSpPr/>
-        <p:nvPr/>
-      </p:nvGrpSpPr>
-      <p:grpSpPr>
-        <a:xfrm>
-          <a:off x="0" y="0"/>
-          <a:ext cx="0" cy="0"/>
-          <a:chOff x="0" y="0"/>
-          <a:chExt cx="0" cy="0"/>
-        </a:xfrm>
-      </p:grpSpPr>
       <p:grpSp>
         <p:nvGrpSpPr>
-          <p:cNvPr id="6" name="그룹 5">
+          <p:cNvPr id="14" name="그룹 13">
             <a:extLst>
               <a:ext uri="{FF2B5EF4-FFF2-40B4-BE49-F238E27FC236}">
-                <a16:creationId xmlns:a16="http://schemas.microsoft.com/office/drawing/2014/main" id="{CA7BD838-D4FB-4EA7-B68C-FA7B6D147BA2}"/>
+                <a16:creationId xmlns:a16="http://schemas.microsoft.com/office/drawing/2014/main" id="{26D90732-07CB-4CEC-95AB-A3E290028035}"/>
               </a:ext>
             </a:extLst>
           </p:cNvPr>
@@ -30000,10 +29848,10 @@
         </p:grpSpPr>
         <p:sp>
           <p:nvSpPr>
-            <p:cNvPr id="18" name="TextBox 17">
+            <p:cNvPr id="15" name="TextBox 14">
               <a:extLst>
                 <a:ext uri="{FF2B5EF4-FFF2-40B4-BE49-F238E27FC236}">
-                  <a16:creationId xmlns:a16="http://schemas.microsoft.com/office/drawing/2014/main" id="{D7B7EE40-BAD9-4569-9BF6-F6E9ACA78A3C}"/>
+                  <a16:creationId xmlns:a16="http://schemas.microsoft.com/office/drawing/2014/main" id="{CD3049DD-E115-424A-B11A-326DB0EA5E92}"/>
                 </a:ext>
               </a:extLst>
             </p:cNvPr>
@@ -30039,17 +29887,17 @@
                   <a:latin typeface="빙그레 메로나체" panose="020B0503000000000000" pitchFamily="50" charset="-127"/>
                   <a:ea typeface="빙그레 메로나체" panose="020B0503000000000000" pitchFamily="50" charset="-127"/>
                 </a:rPr>
-                <a:t>React</a:t>
+                <a:t>Hooks</a:t>
               </a:r>
             </a:p>
           </p:txBody>
         </p:sp>
         <p:sp>
           <p:nvSpPr>
-            <p:cNvPr id="5" name="직사각형 4">
+            <p:cNvPr id="16" name="직사각형 15">
               <a:extLst>
                 <a:ext uri="{FF2B5EF4-FFF2-40B4-BE49-F238E27FC236}">
-                  <a16:creationId xmlns:a16="http://schemas.microsoft.com/office/drawing/2014/main" id="{AB4C8245-D0E4-4D79-B3E9-2FB89CE6FE84}"/>
+                  <a16:creationId xmlns:a16="http://schemas.microsoft.com/office/drawing/2014/main" id="{4A88285F-AD34-4EEF-8B05-C269CCFDCB73}"/>
                 </a:ext>
               </a:extLst>
             </p:cNvPr>
@@ -30100,6 +29948,36 @@
           </p:txBody>
         </p:sp>
       </p:grpSp>
+    </p:spTree>
+    <p:extLst>
+      <p:ext uri="{BB962C8B-B14F-4D97-AF65-F5344CB8AC3E}">
+        <p14:creationId xmlns:p14="http://schemas.microsoft.com/office/powerpoint/2010/main" val="3808561041"/>
+      </p:ext>
+    </p:extLst>
+  </p:cSld>
+  <p:clrMapOvr>
+    <a:masterClrMapping/>
+  </p:clrMapOvr>
+</p:sld>
+</file>
+
+<file path=ppt/slides/slide23.xml><?xml version="1.0" encoding="utf-8"?>
+<p:sld xmlns:a="http://schemas.openxmlformats.org/drawingml/2006/main" xmlns:r="http://schemas.openxmlformats.org/officeDocument/2006/relationships" xmlns:p="http://schemas.openxmlformats.org/presentationml/2006/main">
+  <p:cSld>
+    <p:spTree>
+      <p:nvGrpSpPr>
+        <p:cNvPr id="1" name=""/>
+        <p:cNvGrpSpPr/>
+        <p:nvPr/>
+      </p:nvGrpSpPr>
+      <p:grpSpPr>
+        <a:xfrm>
+          <a:off x="0" y="0"/>
+          <a:ext cx="0" cy="0"/>
+          <a:chOff x="0" y="0"/>
+          <a:chExt cx="0" cy="0"/>
+        </a:xfrm>
+      </p:grpSpPr>
       <p:sp>
         <p:nvSpPr>
           <p:cNvPr id="30" name="TextBox 29">
@@ -31984,42 +31862,12 @@
           </a:ln>
         </p:spPr>
       </p:pic>
-    </p:spTree>
-    <p:extLst>
-      <p:ext uri="{BB962C8B-B14F-4D97-AF65-F5344CB8AC3E}">
-        <p14:creationId xmlns:p14="http://schemas.microsoft.com/office/powerpoint/2010/main" val="2885352860"/>
-      </p:ext>
-    </p:extLst>
-  </p:cSld>
-  <p:clrMapOvr>
-    <a:masterClrMapping/>
-  </p:clrMapOvr>
-</p:sld>
-</file>
-
-<file path=ppt/slides/slide24.xml><?xml version="1.0" encoding="utf-8"?>
-<p:sld xmlns:a="http://schemas.openxmlformats.org/drawingml/2006/main" xmlns:r="http://schemas.openxmlformats.org/officeDocument/2006/relationships" xmlns:p="http://schemas.openxmlformats.org/presentationml/2006/main">
-  <p:cSld>
-    <p:spTree>
-      <p:nvGrpSpPr>
-        <p:cNvPr id="1" name=""/>
-        <p:cNvGrpSpPr/>
-        <p:nvPr/>
-      </p:nvGrpSpPr>
-      <p:grpSpPr>
-        <a:xfrm>
-          <a:off x="0" y="0"/>
-          <a:ext cx="0" cy="0"/>
-          <a:chOff x="0" y="0"/>
-          <a:chExt cx="0" cy="0"/>
-        </a:xfrm>
-      </p:grpSpPr>
       <p:grpSp>
         <p:nvGrpSpPr>
-          <p:cNvPr id="6" name="그룹 5">
+          <p:cNvPr id="12" name="그룹 11">
             <a:extLst>
               <a:ext uri="{FF2B5EF4-FFF2-40B4-BE49-F238E27FC236}">
-                <a16:creationId xmlns:a16="http://schemas.microsoft.com/office/drawing/2014/main" id="{CA7BD838-D4FB-4EA7-B68C-FA7B6D147BA2}"/>
+                <a16:creationId xmlns:a16="http://schemas.microsoft.com/office/drawing/2014/main" id="{DE5C9F4C-C767-4C08-A6AC-068A08D9243F}"/>
               </a:ext>
             </a:extLst>
           </p:cNvPr>
@@ -32036,10 +31884,10 @@
         </p:grpSpPr>
         <p:sp>
           <p:nvSpPr>
-            <p:cNvPr id="18" name="TextBox 17">
+            <p:cNvPr id="14" name="TextBox 13">
               <a:extLst>
                 <a:ext uri="{FF2B5EF4-FFF2-40B4-BE49-F238E27FC236}">
-                  <a16:creationId xmlns:a16="http://schemas.microsoft.com/office/drawing/2014/main" id="{D7B7EE40-BAD9-4569-9BF6-F6E9ACA78A3C}"/>
+                  <a16:creationId xmlns:a16="http://schemas.microsoft.com/office/drawing/2014/main" id="{DA3FBAB2-2849-419A-B6EB-715D3AB8CBBE}"/>
                 </a:ext>
               </a:extLst>
             </p:cNvPr>
@@ -32075,17 +31923,17 @@
                   <a:latin typeface="빙그레 메로나체" panose="020B0503000000000000" pitchFamily="50" charset="-127"/>
                   <a:ea typeface="빙그레 메로나체" panose="020B0503000000000000" pitchFamily="50" charset="-127"/>
                 </a:rPr>
-                <a:t>React</a:t>
+                <a:t>Hooks</a:t>
               </a:r>
             </a:p>
           </p:txBody>
         </p:sp>
         <p:sp>
           <p:nvSpPr>
-            <p:cNvPr id="5" name="직사각형 4">
+            <p:cNvPr id="15" name="직사각형 14">
               <a:extLst>
                 <a:ext uri="{FF2B5EF4-FFF2-40B4-BE49-F238E27FC236}">
-                  <a16:creationId xmlns:a16="http://schemas.microsoft.com/office/drawing/2014/main" id="{AB4C8245-D0E4-4D79-B3E9-2FB89CE6FE84}"/>
+                  <a16:creationId xmlns:a16="http://schemas.microsoft.com/office/drawing/2014/main" id="{BF56D026-F708-44F8-AAE3-FBDDCFA16DFE}"/>
                 </a:ext>
               </a:extLst>
             </p:cNvPr>
@@ -32136,6 +31984,36 @@
           </p:txBody>
         </p:sp>
       </p:grpSp>
+    </p:spTree>
+    <p:extLst>
+      <p:ext uri="{BB962C8B-B14F-4D97-AF65-F5344CB8AC3E}">
+        <p14:creationId xmlns:p14="http://schemas.microsoft.com/office/powerpoint/2010/main" val="2885352860"/>
+      </p:ext>
+    </p:extLst>
+  </p:cSld>
+  <p:clrMapOvr>
+    <a:masterClrMapping/>
+  </p:clrMapOvr>
+</p:sld>
+</file>
+
+<file path=ppt/slides/slide24.xml><?xml version="1.0" encoding="utf-8"?>
+<p:sld xmlns:a="http://schemas.openxmlformats.org/drawingml/2006/main" xmlns:r="http://schemas.openxmlformats.org/officeDocument/2006/relationships" xmlns:p="http://schemas.openxmlformats.org/presentationml/2006/main">
+  <p:cSld>
+    <p:spTree>
+      <p:nvGrpSpPr>
+        <p:cNvPr id="1" name=""/>
+        <p:cNvGrpSpPr/>
+        <p:nvPr/>
+      </p:nvGrpSpPr>
+      <p:grpSpPr>
+        <a:xfrm>
+          <a:off x="0" y="0"/>
+          <a:ext cx="0" cy="0"/>
+          <a:chOff x="0" y="0"/>
+          <a:chExt cx="0" cy="0"/>
+        </a:xfrm>
+      </p:grpSpPr>
       <p:sp>
         <p:nvSpPr>
           <p:cNvPr id="30" name="TextBox 29">
@@ -34122,42 +34000,12 @@
           </a:ln>
         </p:spPr>
       </p:pic>
-    </p:spTree>
-    <p:extLst>
-      <p:ext uri="{BB962C8B-B14F-4D97-AF65-F5344CB8AC3E}">
-        <p14:creationId xmlns:p14="http://schemas.microsoft.com/office/powerpoint/2010/main" val="2533544784"/>
-      </p:ext>
-    </p:extLst>
-  </p:cSld>
-  <p:clrMapOvr>
-    <a:masterClrMapping/>
-  </p:clrMapOvr>
-</p:sld>
-</file>
-
-<file path=ppt/slides/slide25.xml><?xml version="1.0" encoding="utf-8"?>
-<p:sld xmlns:a="http://schemas.openxmlformats.org/drawingml/2006/main" xmlns:r="http://schemas.openxmlformats.org/officeDocument/2006/relationships" xmlns:p="http://schemas.openxmlformats.org/presentationml/2006/main">
-  <p:cSld>
-    <p:spTree>
-      <p:nvGrpSpPr>
-        <p:cNvPr id="1" name=""/>
-        <p:cNvGrpSpPr/>
-        <p:nvPr/>
-      </p:nvGrpSpPr>
-      <p:grpSpPr>
-        <a:xfrm>
-          <a:off x="0" y="0"/>
-          <a:ext cx="0" cy="0"/>
-          <a:chOff x="0" y="0"/>
-          <a:chExt cx="0" cy="0"/>
-        </a:xfrm>
-      </p:grpSpPr>
       <p:grpSp>
         <p:nvGrpSpPr>
-          <p:cNvPr id="6" name="그룹 5">
+          <p:cNvPr id="12" name="그룹 11">
             <a:extLst>
               <a:ext uri="{FF2B5EF4-FFF2-40B4-BE49-F238E27FC236}">
-                <a16:creationId xmlns:a16="http://schemas.microsoft.com/office/drawing/2014/main" id="{CA7BD838-D4FB-4EA7-B68C-FA7B6D147BA2}"/>
+                <a16:creationId xmlns:a16="http://schemas.microsoft.com/office/drawing/2014/main" id="{B497BEC3-1DBC-4297-A4F4-BC2907C64C72}"/>
               </a:ext>
             </a:extLst>
           </p:cNvPr>
@@ -34174,10 +34022,10 @@
         </p:grpSpPr>
         <p:sp>
           <p:nvSpPr>
-            <p:cNvPr id="18" name="TextBox 17">
+            <p:cNvPr id="13" name="TextBox 12">
               <a:extLst>
                 <a:ext uri="{FF2B5EF4-FFF2-40B4-BE49-F238E27FC236}">
-                  <a16:creationId xmlns:a16="http://schemas.microsoft.com/office/drawing/2014/main" id="{D7B7EE40-BAD9-4569-9BF6-F6E9ACA78A3C}"/>
+                  <a16:creationId xmlns:a16="http://schemas.microsoft.com/office/drawing/2014/main" id="{6D85B734-A883-492D-8463-630C309DE050}"/>
                 </a:ext>
               </a:extLst>
             </p:cNvPr>
@@ -34213,17 +34061,17 @@
                   <a:latin typeface="빙그레 메로나체" panose="020B0503000000000000" pitchFamily="50" charset="-127"/>
                   <a:ea typeface="빙그레 메로나체" panose="020B0503000000000000" pitchFamily="50" charset="-127"/>
                 </a:rPr>
-                <a:t>React</a:t>
+                <a:t>Hooks</a:t>
               </a:r>
             </a:p>
           </p:txBody>
         </p:sp>
         <p:sp>
           <p:nvSpPr>
-            <p:cNvPr id="5" name="직사각형 4">
+            <p:cNvPr id="17" name="직사각형 16">
               <a:extLst>
                 <a:ext uri="{FF2B5EF4-FFF2-40B4-BE49-F238E27FC236}">
-                  <a16:creationId xmlns:a16="http://schemas.microsoft.com/office/drawing/2014/main" id="{AB4C8245-D0E4-4D79-B3E9-2FB89CE6FE84}"/>
+                  <a16:creationId xmlns:a16="http://schemas.microsoft.com/office/drawing/2014/main" id="{EC607BA2-5A9E-4CDB-857D-790466B31DDF}"/>
                 </a:ext>
               </a:extLst>
             </p:cNvPr>
@@ -34274,6 +34122,36 @@
           </p:txBody>
         </p:sp>
       </p:grpSp>
+    </p:spTree>
+    <p:extLst>
+      <p:ext uri="{BB962C8B-B14F-4D97-AF65-F5344CB8AC3E}">
+        <p14:creationId xmlns:p14="http://schemas.microsoft.com/office/powerpoint/2010/main" val="2533544784"/>
+      </p:ext>
+    </p:extLst>
+  </p:cSld>
+  <p:clrMapOvr>
+    <a:masterClrMapping/>
+  </p:clrMapOvr>
+</p:sld>
+</file>
+
+<file path=ppt/slides/slide25.xml><?xml version="1.0" encoding="utf-8"?>
+<p:sld xmlns:a="http://schemas.openxmlformats.org/drawingml/2006/main" xmlns:r="http://schemas.openxmlformats.org/officeDocument/2006/relationships" xmlns:p="http://schemas.openxmlformats.org/presentationml/2006/main">
+  <p:cSld>
+    <p:spTree>
+      <p:nvGrpSpPr>
+        <p:cNvPr id="1" name=""/>
+        <p:cNvGrpSpPr/>
+        <p:nvPr/>
+      </p:nvGrpSpPr>
+      <p:grpSpPr>
+        <a:xfrm>
+          <a:off x="0" y="0"/>
+          <a:ext cx="0" cy="0"/>
+          <a:chOff x="0" y="0"/>
+          <a:chExt cx="0" cy="0"/>
+        </a:xfrm>
+      </p:grpSpPr>
       <p:sp>
         <p:nvSpPr>
           <p:cNvPr id="30" name="TextBox 29">
@@ -36147,42 +36025,12 @@
           </a:ln>
         </p:spPr>
       </p:pic>
-    </p:spTree>
-    <p:extLst>
-      <p:ext uri="{BB962C8B-B14F-4D97-AF65-F5344CB8AC3E}">
-        <p14:creationId xmlns:p14="http://schemas.microsoft.com/office/powerpoint/2010/main" val="125865540"/>
-      </p:ext>
-    </p:extLst>
-  </p:cSld>
-  <p:clrMapOvr>
-    <a:masterClrMapping/>
-  </p:clrMapOvr>
-</p:sld>
-</file>
-
-<file path=ppt/slides/slide26.xml><?xml version="1.0" encoding="utf-8"?>
-<p:sld xmlns:a="http://schemas.openxmlformats.org/drawingml/2006/main" xmlns:r="http://schemas.openxmlformats.org/officeDocument/2006/relationships" xmlns:p="http://schemas.openxmlformats.org/presentationml/2006/main">
-  <p:cSld>
-    <p:spTree>
-      <p:nvGrpSpPr>
-        <p:cNvPr id="1" name=""/>
-        <p:cNvGrpSpPr/>
-        <p:nvPr/>
-      </p:nvGrpSpPr>
-      <p:grpSpPr>
-        <a:xfrm>
-          <a:off x="0" y="0"/>
-          <a:ext cx="0" cy="0"/>
-          <a:chOff x="0" y="0"/>
-          <a:chExt cx="0" cy="0"/>
-        </a:xfrm>
-      </p:grpSpPr>
       <p:grpSp>
         <p:nvGrpSpPr>
-          <p:cNvPr id="6" name="그룹 5">
+          <p:cNvPr id="11" name="그룹 10">
             <a:extLst>
               <a:ext uri="{FF2B5EF4-FFF2-40B4-BE49-F238E27FC236}">
-                <a16:creationId xmlns:a16="http://schemas.microsoft.com/office/drawing/2014/main" id="{CA7BD838-D4FB-4EA7-B68C-FA7B6D147BA2}"/>
+                <a16:creationId xmlns:a16="http://schemas.microsoft.com/office/drawing/2014/main" id="{6F9E0059-AAD6-4EED-9713-301D9B64305F}"/>
               </a:ext>
             </a:extLst>
           </p:cNvPr>
@@ -36199,10 +36047,10 @@
         </p:grpSpPr>
         <p:sp>
           <p:nvSpPr>
-            <p:cNvPr id="18" name="TextBox 17">
+            <p:cNvPr id="13" name="TextBox 12">
               <a:extLst>
                 <a:ext uri="{FF2B5EF4-FFF2-40B4-BE49-F238E27FC236}">
-                  <a16:creationId xmlns:a16="http://schemas.microsoft.com/office/drawing/2014/main" id="{D7B7EE40-BAD9-4569-9BF6-F6E9ACA78A3C}"/>
+                  <a16:creationId xmlns:a16="http://schemas.microsoft.com/office/drawing/2014/main" id="{52F913C4-78DE-448F-A42A-EE63937CE8C9}"/>
                 </a:ext>
               </a:extLst>
             </p:cNvPr>
@@ -36238,17 +36086,17 @@
                   <a:latin typeface="빙그레 메로나체" panose="020B0503000000000000" pitchFamily="50" charset="-127"/>
                   <a:ea typeface="빙그레 메로나체" panose="020B0503000000000000" pitchFamily="50" charset="-127"/>
                 </a:rPr>
-                <a:t>React</a:t>
+                <a:t>Hooks</a:t>
               </a:r>
             </a:p>
           </p:txBody>
         </p:sp>
         <p:sp>
           <p:nvSpPr>
-            <p:cNvPr id="5" name="직사각형 4">
+            <p:cNvPr id="14" name="직사각형 13">
               <a:extLst>
                 <a:ext uri="{FF2B5EF4-FFF2-40B4-BE49-F238E27FC236}">
-                  <a16:creationId xmlns:a16="http://schemas.microsoft.com/office/drawing/2014/main" id="{AB4C8245-D0E4-4D79-B3E9-2FB89CE6FE84}"/>
+                  <a16:creationId xmlns:a16="http://schemas.microsoft.com/office/drawing/2014/main" id="{A72F3262-7DF3-411D-8244-71925D81BA03}"/>
                 </a:ext>
               </a:extLst>
             </p:cNvPr>
@@ -36299,6 +36147,36 @@
           </p:txBody>
         </p:sp>
       </p:grpSp>
+    </p:spTree>
+    <p:extLst>
+      <p:ext uri="{BB962C8B-B14F-4D97-AF65-F5344CB8AC3E}">
+        <p14:creationId xmlns:p14="http://schemas.microsoft.com/office/powerpoint/2010/main" val="125865540"/>
+      </p:ext>
+    </p:extLst>
+  </p:cSld>
+  <p:clrMapOvr>
+    <a:masterClrMapping/>
+  </p:clrMapOvr>
+</p:sld>
+</file>
+
+<file path=ppt/slides/slide26.xml><?xml version="1.0" encoding="utf-8"?>
+<p:sld xmlns:a="http://schemas.openxmlformats.org/drawingml/2006/main" xmlns:r="http://schemas.openxmlformats.org/officeDocument/2006/relationships" xmlns:p="http://schemas.openxmlformats.org/presentationml/2006/main">
+  <p:cSld>
+    <p:spTree>
+      <p:nvGrpSpPr>
+        <p:cNvPr id="1" name=""/>
+        <p:cNvGrpSpPr/>
+        <p:nvPr/>
+      </p:nvGrpSpPr>
+      <p:grpSpPr>
+        <a:xfrm>
+          <a:off x="0" y="0"/>
+          <a:ext cx="0" cy="0"/>
+          <a:chOff x="0" y="0"/>
+          <a:chExt cx="0" cy="0"/>
+        </a:xfrm>
+      </p:grpSpPr>
       <p:sp>
         <p:nvSpPr>
           <p:cNvPr id="30" name="TextBox 29">
@@ -38172,42 +38050,12 @@
           </a:ln>
         </p:spPr>
       </p:pic>
-    </p:spTree>
-    <p:extLst>
-      <p:ext uri="{BB962C8B-B14F-4D97-AF65-F5344CB8AC3E}">
-        <p14:creationId xmlns:p14="http://schemas.microsoft.com/office/powerpoint/2010/main" val="1748945236"/>
-      </p:ext>
-    </p:extLst>
-  </p:cSld>
-  <p:clrMapOvr>
-    <a:masterClrMapping/>
-  </p:clrMapOvr>
-</p:sld>
-</file>
-
-<file path=ppt/slides/slide27.xml><?xml version="1.0" encoding="utf-8"?>
-<p:sld xmlns:a="http://schemas.openxmlformats.org/drawingml/2006/main" xmlns:r="http://schemas.openxmlformats.org/officeDocument/2006/relationships" xmlns:p="http://schemas.openxmlformats.org/presentationml/2006/main">
-  <p:cSld>
-    <p:spTree>
-      <p:nvGrpSpPr>
-        <p:cNvPr id="1" name=""/>
-        <p:cNvGrpSpPr/>
-        <p:nvPr/>
-      </p:nvGrpSpPr>
-      <p:grpSpPr>
-        <a:xfrm>
-          <a:off x="0" y="0"/>
-          <a:ext cx="0" cy="0"/>
-          <a:chOff x="0" y="0"/>
-          <a:chExt cx="0" cy="0"/>
-        </a:xfrm>
-      </p:grpSpPr>
       <p:grpSp>
         <p:nvGrpSpPr>
-          <p:cNvPr id="6" name="그룹 5">
+          <p:cNvPr id="13" name="그룹 12">
             <a:extLst>
               <a:ext uri="{FF2B5EF4-FFF2-40B4-BE49-F238E27FC236}">
-                <a16:creationId xmlns:a16="http://schemas.microsoft.com/office/drawing/2014/main" id="{CA7BD838-D4FB-4EA7-B68C-FA7B6D147BA2}"/>
+                <a16:creationId xmlns:a16="http://schemas.microsoft.com/office/drawing/2014/main" id="{DF665527-75BF-4E8B-B53E-7B3ED7FB2167}"/>
               </a:ext>
             </a:extLst>
           </p:cNvPr>
@@ -38224,10 +38072,10 @@
         </p:grpSpPr>
         <p:sp>
           <p:nvSpPr>
-            <p:cNvPr id="18" name="TextBox 17">
+            <p:cNvPr id="14" name="TextBox 13">
               <a:extLst>
                 <a:ext uri="{FF2B5EF4-FFF2-40B4-BE49-F238E27FC236}">
-                  <a16:creationId xmlns:a16="http://schemas.microsoft.com/office/drawing/2014/main" id="{D7B7EE40-BAD9-4569-9BF6-F6E9ACA78A3C}"/>
+                  <a16:creationId xmlns:a16="http://schemas.microsoft.com/office/drawing/2014/main" id="{65E1B9DB-0F60-40D9-973B-175DB6C3373A}"/>
                 </a:ext>
               </a:extLst>
             </p:cNvPr>
@@ -38263,17 +38111,17 @@
                   <a:latin typeface="빙그레 메로나체" panose="020B0503000000000000" pitchFamily="50" charset="-127"/>
                   <a:ea typeface="빙그레 메로나체" panose="020B0503000000000000" pitchFamily="50" charset="-127"/>
                 </a:rPr>
-                <a:t>React</a:t>
+                <a:t>Hooks</a:t>
               </a:r>
             </a:p>
           </p:txBody>
         </p:sp>
         <p:sp>
           <p:nvSpPr>
-            <p:cNvPr id="5" name="직사각형 4">
+            <p:cNvPr id="15" name="직사각형 14">
               <a:extLst>
                 <a:ext uri="{FF2B5EF4-FFF2-40B4-BE49-F238E27FC236}">
-                  <a16:creationId xmlns:a16="http://schemas.microsoft.com/office/drawing/2014/main" id="{AB4C8245-D0E4-4D79-B3E9-2FB89CE6FE84}"/>
+                  <a16:creationId xmlns:a16="http://schemas.microsoft.com/office/drawing/2014/main" id="{1ADAB839-6E92-4E26-8349-8953145B52DA}"/>
                 </a:ext>
               </a:extLst>
             </p:cNvPr>
@@ -38324,6 +38172,36 @@
           </p:txBody>
         </p:sp>
       </p:grpSp>
+    </p:spTree>
+    <p:extLst>
+      <p:ext uri="{BB962C8B-B14F-4D97-AF65-F5344CB8AC3E}">
+        <p14:creationId xmlns:p14="http://schemas.microsoft.com/office/powerpoint/2010/main" val="1748945236"/>
+      </p:ext>
+    </p:extLst>
+  </p:cSld>
+  <p:clrMapOvr>
+    <a:masterClrMapping/>
+  </p:clrMapOvr>
+</p:sld>
+</file>
+
+<file path=ppt/slides/slide27.xml><?xml version="1.0" encoding="utf-8"?>
+<p:sld xmlns:a="http://schemas.openxmlformats.org/drawingml/2006/main" xmlns:r="http://schemas.openxmlformats.org/officeDocument/2006/relationships" xmlns:p="http://schemas.openxmlformats.org/presentationml/2006/main">
+  <p:cSld>
+    <p:spTree>
+      <p:nvGrpSpPr>
+        <p:cNvPr id="1" name=""/>
+        <p:cNvGrpSpPr/>
+        <p:nvPr/>
+      </p:nvGrpSpPr>
+      <p:grpSpPr>
+        <a:xfrm>
+          <a:off x="0" y="0"/>
+          <a:ext cx="0" cy="0"/>
+          <a:chOff x="0" y="0"/>
+          <a:chExt cx="0" cy="0"/>
+        </a:xfrm>
+      </p:grpSpPr>
       <p:sp>
         <p:nvSpPr>
           <p:cNvPr id="30" name="TextBox 29">
@@ -38575,6 +38453,128 @@
           </a:p>
         </p:txBody>
       </p:sp>
+      <p:grpSp>
+        <p:nvGrpSpPr>
+          <p:cNvPr id="11" name="그룹 10">
+            <a:extLst>
+              <a:ext uri="{FF2B5EF4-FFF2-40B4-BE49-F238E27FC236}">
+                <a16:creationId xmlns:a16="http://schemas.microsoft.com/office/drawing/2014/main" id="{DF554C10-5E22-456D-837C-12B87869795A}"/>
+              </a:ext>
+            </a:extLst>
+          </p:cNvPr>
+          <p:cNvGrpSpPr/>
+          <p:nvPr/>
+        </p:nvGrpSpPr>
+        <p:grpSpPr>
+          <a:xfrm>
+            <a:off x="159192" y="182880"/>
+            <a:ext cx="1852488" cy="854227"/>
+            <a:chOff x="640080" y="-971550"/>
+            <a:chExt cx="1660746" cy="765810"/>
+          </a:xfrm>
+        </p:grpSpPr>
+        <p:sp>
+          <p:nvSpPr>
+            <p:cNvPr id="13" name="TextBox 12">
+              <a:extLst>
+                <a:ext uri="{FF2B5EF4-FFF2-40B4-BE49-F238E27FC236}">
+                  <a16:creationId xmlns:a16="http://schemas.microsoft.com/office/drawing/2014/main" id="{26438F6F-1B63-414A-9A07-681F7D8FC1F4}"/>
+                </a:ext>
+              </a:extLst>
+            </p:cNvPr>
+            <p:cNvSpPr txBox="1"/>
+            <p:nvPr/>
+          </p:nvSpPr>
+          <p:spPr>
+            <a:xfrm>
+              <a:off x="683325" y="-770703"/>
+              <a:ext cx="1576513" cy="358697"/>
+            </a:xfrm>
+            <a:prstGeom prst="rect">
+              <a:avLst/>
+            </a:prstGeom>
+            <a:noFill/>
+          </p:spPr>
+          <p:txBody>
+            <a:bodyPr wrap="square" rtlCol="0" anchor="ctr">
+              <a:spAutoFit/>
+            </a:bodyPr>
+            <a:lstStyle/>
+            <a:p>
+              <a:pPr algn="ctr"/>
+              <a:r>
+                <a:rPr lang="en-US" altLang="ko-KR" sz="2000">
+                  <a:ln>
+                    <a:solidFill>
+                      <a:schemeClr val="tx1">
+                        <a:alpha val="30000"/>
+                      </a:schemeClr>
+                    </a:solidFill>
+                  </a:ln>
+                  <a:latin typeface="빙그레 메로나체" panose="020B0503000000000000" pitchFamily="50" charset="-127"/>
+                  <a:ea typeface="빙그레 메로나체" panose="020B0503000000000000" pitchFamily="50" charset="-127"/>
+                </a:rPr>
+                <a:t>Hooks</a:t>
+              </a:r>
+            </a:p>
+          </p:txBody>
+        </p:sp>
+        <p:sp>
+          <p:nvSpPr>
+            <p:cNvPr id="15" name="직사각형 14">
+              <a:extLst>
+                <a:ext uri="{FF2B5EF4-FFF2-40B4-BE49-F238E27FC236}">
+                  <a16:creationId xmlns:a16="http://schemas.microsoft.com/office/drawing/2014/main" id="{854FC104-3F2B-46C4-9F76-DED617206CCB}"/>
+                </a:ext>
+              </a:extLst>
+            </p:cNvPr>
+            <p:cNvSpPr/>
+            <p:nvPr/>
+          </p:nvSpPr>
+          <p:spPr>
+            <a:xfrm>
+              <a:off x="640080" y="-971550"/>
+              <a:ext cx="1660746" cy="765810"/>
+            </a:xfrm>
+            <a:prstGeom prst="rect">
+              <a:avLst/>
+            </a:prstGeom>
+            <a:noFill/>
+            <a:ln w="25400">
+              <a:solidFill>
+                <a:schemeClr val="tx1"/>
+              </a:solidFill>
+            </a:ln>
+          </p:spPr>
+          <p:style>
+            <a:lnRef idx="2">
+              <a:schemeClr val="accent1">
+                <a:shade val="50000"/>
+              </a:schemeClr>
+            </a:lnRef>
+            <a:fillRef idx="1">
+              <a:schemeClr val="accent1"/>
+            </a:fillRef>
+            <a:effectRef idx="0">
+              <a:schemeClr val="accent1"/>
+            </a:effectRef>
+            <a:fontRef idx="minor">
+              <a:schemeClr val="lt1"/>
+            </a:fontRef>
+          </p:style>
+          <p:txBody>
+            <a:bodyPr rtlCol="0" anchor="ctr"/>
+            <a:lstStyle/>
+            <a:p>
+              <a:pPr algn="ctr"/>
+              <a:endParaRPr lang="ko-KR" altLang="en-US">
+                <a:latin typeface="빙그레 메로나체" panose="020B0503000000000000" pitchFamily="50" charset="-127"/>
+                <a:ea typeface="빙그레 메로나체" panose="020B0503000000000000" pitchFamily="50" charset="-127"/>
+              </a:endParaRPr>
+            </a:p>
+          </p:txBody>
+        </p:sp>
+      </p:grpSp>
     </p:spTree>
     <p:extLst>
       <p:ext uri="{BB962C8B-B14F-4D97-AF65-F5344CB8AC3E}">
@@ -38833,7 +38833,7 @@
                   <a:latin typeface="빙그레 메로나체" panose="020B0503000000000000" pitchFamily="50" charset="-127"/>
                   <a:ea typeface="빙그레 메로나체" panose="020B0503000000000000" pitchFamily="50" charset="-127"/>
                 </a:rPr>
-                <a:t>React</a:t>
+                <a:t>Hooks</a:t>
               </a:r>
             </a:p>
           </p:txBody>
@@ -39245,128 +39245,6 @@
           <a:chExt cx="0" cy="0"/>
         </a:xfrm>
       </p:grpSpPr>
-      <p:grpSp>
-        <p:nvGrpSpPr>
-          <p:cNvPr id="6" name="그룹 5">
-            <a:extLst>
-              <a:ext uri="{FF2B5EF4-FFF2-40B4-BE49-F238E27FC236}">
-                <a16:creationId xmlns:a16="http://schemas.microsoft.com/office/drawing/2014/main" id="{CA7BD838-D4FB-4EA7-B68C-FA7B6D147BA2}"/>
-              </a:ext>
-            </a:extLst>
-          </p:cNvPr>
-          <p:cNvGrpSpPr/>
-          <p:nvPr/>
-        </p:nvGrpSpPr>
-        <p:grpSpPr>
-          <a:xfrm>
-            <a:off x="159192" y="182880"/>
-            <a:ext cx="1852488" cy="854227"/>
-            <a:chOff x="640080" y="-971550"/>
-            <a:chExt cx="1660746" cy="765810"/>
-          </a:xfrm>
-        </p:grpSpPr>
-        <p:sp>
-          <p:nvSpPr>
-            <p:cNvPr id="18" name="TextBox 17">
-              <a:extLst>
-                <a:ext uri="{FF2B5EF4-FFF2-40B4-BE49-F238E27FC236}">
-                  <a16:creationId xmlns:a16="http://schemas.microsoft.com/office/drawing/2014/main" id="{D7B7EE40-BAD9-4569-9BF6-F6E9ACA78A3C}"/>
-                </a:ext>
-              </a:extLst>
-            </p:cNvPr>
-            <p:cNvSpPr txBox="1"/>
-            <p:nvPr/>
-          </p:nvSpPr>
-          <p:spPr>
-            <a:xfrm>
-              <a:off x="683325" y="-770703"/>
-              <a:ext cx="1576513" cy="358697"/>
-            </a:xfrm>
-            <a:prstGeom prst="rect">
-              <a:avLst/>
-            </a:prstGeom>
-            <a:noFill/>
-          </p:spPr>
-          <p:txBody>
-            <a:bodyPr wrap="square" rtlCol="0" anchor="ctr">
-              <a:spAutoFit/>
-            </a:bodyPr>
-            <a:lstStyle/>
-            <a:p>
-              <a:pPr algn="ctr"/>
-              <a:r>
-                <a:rPr lang="en-US" altLang="ko-KR" sz="2000">
-                  <a:ln>
-                    <a:solidFill>
-                      <a:schemeClr val="tx1">
-                        <a:alpha val="30000"/>
-                      </a:schemeClr>
-                    </a:solidFill>
-                  </a:ln>
-                  <a:latin typeface="빙그레 메로나체" panose="020B0503000000000000" pitchFamily="50" charset="-127"/>
-                  <a:ea typeface="빙그레 메로나체" panose="020B0503000000000000" pitchFamily="50" charset="-127"/>
-                </a:rPr>
-                <a:t>React</a:t>
-              </a:r>
-            </a:p>
-          </p:txBody>
-        </p:sp>
-        <p:sp>
-          <p:nvSpPr>
-            <p:cNvPr id="5" name="직사각형 4">
-              <a:extLst>
-                <a:ext uri="{FF2B5EF4-FFF2-40B4-BE49-F238E27FC236}">
-                  <a16:creationId xmlns:a16="http://schemas.microsoft.com/office/drawing/2014/main" id="{AB4C8245-D0E4-4D79-B3E9-2FB89CE6FE84}"/>
-                </a:ext>
-              </a:extLst>
-            </p:cNvPr>
-            <p:cNvSpPr/>
-            <p:nvPr/>
-          </p:nvSpPr>
-          <p:spPr>
-            <a:xfrm>
-              <a:off x="640080" y="-971550"/>
-              <a:ext cx="1660746" cy="765810"/>
-            </a:xfrm>
-            <a:prstGeom prst="rect">
-              <a:avLst/>
-            </a:prstGeom>
-            <a:noFill/>
-            <a:ln w="25400">
-              <a:solidFill>
-                <a:schemeClr val="tx1"/>
-              </a:solidFill>
-            </a:ln>
-          </p:spPr>
-          <p:style>
-            <a:lnRef idx="2">
-              <a:schemeClr val="accent1">
-                <a:shade val="50000"/>
-              </a:schemeClr>
-            </a:lnRef>
-            <a:fillRef idx="1">
-              <a:schemeClr val="accent1"/>
-            </a:fillRef>
-            <a:effectRef idx="0">
-              <a:schemeClr val="accent1"/>
-            </a:effectRef>
-            <a:fontRef idx="minor">
-              <a:schemeClr val="lt1"/>
-            </a:fontRef>
-          </p:style>
-          <p:txBody>
-            <a:bodyPr rtlCol="0" anchor="ctr"/>
-            <a:lstStyle/>
-            <a:p>
-              <a:pPr algn="ctr"/>
-              <a:endParaRPr lang="ko-KR" altLang="en-US">
-                <a:latin typeface="빙그레 메로나체" panose="020B0503000000000000" pitchFamily="50" charset="-127"/>
-                <a:ea typeface="빙그레 메로나체" panose="020B0503000000000000" pitchFamily="50" charset="-127"/>
-              </a:endParaRPr>
-            </a:p>
-          </p:txBody>
-        </p:sp>
-      </p:grpSp>
       <p:sp>
         <p:nvSpPr>
           <p:cNvPr id="30" name="TextBox 29">
@@ -39709,42 +39587,12 @@
           </a:p>
         </p:txBody>
       </p:sp>
-    </p:spTree>
-    <p:extLst>
-      <p:ext uri="{BB962C8B-B14F-4D97-AF65-F5344CB8AC3E}">
-        <p14:creationId xmlns:p14="http://schemas.microsoft.com/office/powerpoint/2010/main" val="1659712578"/>
-      </p:ext>
-    </p:extLst>
-  </p:cSld>
-  <p:clrMapOvr>
-    <a:masterClrMapping/>
-  </p:clrMapOvr>
-</p:sld>
-</file>
-
-<file path=ppt/slides/slide5.xml><?xml version="1.0" encoding="utf-8"?>
-<p:sld xmlns:a="http://schemas.openxmlformats.org/drawingml/2006/main" xmlns:r="http://schemas.openxmlformats.org/officeDocument/2006/relationships" xmlns:p="http://schemas.openxmlformats.org/presentationml/2006/main">
-  <p:cSld>
-    <p:spTree>
-      <p:nvGrpSpPr>
-        <p:cNvPr id="1" name=""/>
-        <p:cNvGrpSpPr/>
-        <p:nvPr/>
-      </p:nvGrpSpPr>
-      <p:grpSpPr>
-        <a:xfrm>
-          <a:off x="0" y="0"/>
-          <a:ext cx="0" cy="0"/>
-          <a:chOff x="0" y="0"/>
-          <a:chExt cx="0" cy="0"/>
-        </a:xfrm>
-      </p:grpSpPr>
       <p:grpSp>
         <p:nvGrpSpPr>
-          <p:cNvPr id="6" name="그룹 5">
+          <p:cNvPr id="13" name="그룹 12">
             <a:extLst>
               <a:ext uri="{FF2B5EF4-FFF2-40B4-BE49-F238E27FC236}">
-                <a16:creationId xmlns:a16="http://schemas.microsoft.com/office/drawing/2014/main" id="{CA7BD838-D4FB-4EA7-B68C-FA7B6D147BA2}"/>
+                <a16:creationId xmlns:a16="http://schemas.microsoft.com/office/drawing/2014/main" id="{3B157BBB-79AB-486B-92FE-8AFA6756C6B6}"/>
               </a:ext>
             </a:extLst>
           </p:cNvPr>
@@ -39761,10 +39609,10 @@
         </p:grpSpPr>
         <p:sp>
           <p:nvSpPr>
-            <p:cNvPr id="18" name="TextBox 17">
+            <p:cNvPr id="14" name="TextBox 13">
               <a:extLst>
                 <a:ext uri="{FF2B5EF4-FFF2-40B4-BE49-F238E27FC236}">
-                  <a16:creationId xmlns:a16="http://schemas.microsoft.com/office/drawing/2014/main" id="{D7B7EE40-BAD9-4569-9BF6-F6E9ACA78A3C}"/>
+                  <a16:creationId xmlns:a16="http://schemas.microsoft.com/office/drawing/2014/main" id="{8C392DC4-26ED-402D-9A6C-CE1B68E7F5EC}"/>
                 </a:ext>
               </a:extLst>
             </p:cNvPr>
@@ -39800,17 +39648,17 @@
                   <a:latin typeface="빙그레 메로나체" panose="020B0503000000000000" pitchFamily="50" charset="-127"/>
                   <a:ea typeface="빙그레 메로나체" panose="020B0503000000000000" pitchFamily="50" charset="-127"/>
                 </a:rPr>
-                <a:t>React</a:t>
+                <a:t>Hooks</a:t>
               </a:r>
             </a:p>
           </p:txBody>
         </p:sp>
         <p:sp>
           <p:nvSpPr>
-            <p:cNvPr id="5" name="직사각형 4">
+            <p:cNvPr id="15" name="직사각형 14">
               <a:extLst>
                 <a:ext uri="{FF2B5EF4-FFF2-40B4-BE49-F238E27FC236}">
-                  <a16:creationId xmlns:a16="http://schemas.microsoft.com/office/drawing/2014/main" id="{AB4C8245-D0E4-4D79-B3E9-2FB89CE6FE84}"/>
+                  <a16:creationId xmlns:a16="http://schemas.microsoft.com/office/drawing/2014/main" id="{86E3DF90-C65E-430C-BA51-16E966FDB1D4}"/>
                 </a:ext>
               </a:extLst>
             </p:cNvPr>
@@ -39861,6 +39709,36 @@
           </p:txBody>
         </p:sp>
       </p:grpSp>
+    </p:spTree>
+    <p:extLst>
+      <p:ext uri="{BB962C8B-B14F-4D97-AF65-F5344CB8AC3E}">
+        <p14:creationId xmlns:p14="http://schemas.microsoft.com/office/powerpoint/2010/main" val="1659712578"/>
+      </p:ext>
+    </p:extLst>
+  </p:cSld>
+  <p:clrMapOvr>
+    <a:masterClrMapping/>
+  </p:clrMapOvr>
+</p:sld>
+</file>
+
+<file path=ppt/slides/slide5.xml><?xml version="1.0" encoding="utf-8"?>
+<p:sld xmlns:a="http://schemas.openxmlformats.org/drawingml/2006/main" xmlns:r="http://schemas.openxmlformats.org/officeDocument/2006/relationships" xmlns:p="http://schemas.openxmlformats.org/presentationml/2006/main">
+  <p:cSld>
+    <p:spTree>
+      <p:nvGrpSpPr>
+        <p:cNvPr id="1" name=""/>
+        <p:cNvGrpSpPr/>
+        <p:nvPr/>
+      </p:nvGrpSpPr>
+      <p:grpSpPr>
+        <a:xfrm>
+          <a:off x="0" y="0"/>
+          <a:ext cx="0" cy="0"/>
+          <a:chOff x="0" y="0"/>
+          <a:chExt cx="0" cy="0"/>
+        </a:xfrm>
+      </p:grpSpPr>
       <p:sp>
         <p:nvSpPr>
           <p:cNvPr id="30" name="TextBox 29">
@@ -40049,42 +39927,12 @@
           </a:p>
         </p:txBody>
       </p:sp>
-    </p:spTree>
-    <p:extLst>
-      <p:ext uri="{BB962C8B-B14F-4D97-AF65-F5344CB8AC3E}">
-        <p14:creationId xmlns:p14="http://schemas.microsoft.com/office/powerpoint/2010/main" val="4116696961"/>
-      </p:ext>
-    </p:extLst>
-  </p:cSld>
-  <p:clrMapOvr>
-    <a:masterClrMapping/>
-  </p:clrMapOvr>
-</p:sld>
-</file>
-
-<file path=ppt/slides/slide6.xml><?xml version="1.0" encoding="utf-8"?>
-<p:sld xmlns:a="http://schemas.openxmlformats.org/drawingml/2006/main" xmlns:r="http://schemas.openxmlformats.org/officeDocument/2006/relationships" xmlns:p="http://schemas.openxmlformats.org/presentationml/2006/main">
-  <p:cSld>
-    <p:spTree>
-      <p:nvGrpSpPr>
-        <p:cNvPr id="1" name=""/>
-        <p:cNvGrpSpPr/>
-        <p:nvPr/>
-      </p:nvGrpSpPr>
-      <p:grpSpPr>
-        <a:xfrm>
-          <a:off x="0" y="0"/>
-          <a:ext cx="0" cy="0"/>
-          <a:chOff x="0" y="0"/>
-          <a:chExt cx="0" cy="0"/>
-        </a:xfrm>
-      </p:grpSpPr>
       <p:grpSp>
         <p:nvGrpSpPr>
-          <p:cNvPr id="6" name="그룹 5">
+          <p:cNvPr id="12" name="그룹 11">
             <a:extLst>
               <a:ext uri="{FF2B5EF4-FFF2-40B4-BE49-F238E27FC236}">
-                <a16:creationId xmlns:a16="http://schemas.microsoft.com/office/drawing/2014/main" id="{CA7BD838-D4FB-4EA7-B68C-FA7B6D147BA2}"/>
+                <a16:creationId xmlns:a16="http://schemas.microsoft.com/office/drawing/2014/main" id="{B2C9B093-F6A2-4AAD-B1F6-E4853D1B220C}"/>
               </a:ext>
             </a:extLst>
           </p:cNvPr>
@@ -40101,10 +39949,10 @@
         </p:grpSpPr>
         <p:sp>
           <p:nvSpPr>
-            <p:cNvPr id="18" name="TextBox 17">
+            <p:cNvPr id="13" name="TextBox 12">
               <a:extLst>
                 <a:ext uri="{FF2B5EF4-FFF2-40B4-BE49-F238E27FC236}">
-                  <a16:creationId xmlns:a16="http://schemas.microsoft.com/office/drawing/2014/main" id="{D7B7EE40-BAD9-4569-9BF6-F6E9ACA78A3C}"/>
+                  <a16:creationId xmlns:a16="http://schemas.microsoft.com/office/drawing/2014/main" id="{644DD7A4-99F1-44C2-A25C-1201C67DB136}"/>
                 </a:ext>
               </a:extLst>
             </p:cNvPr>
@@ -40140,17 +39988,17 @@
                   <a:latin typeface="빙그레 메로나체" panose="020B0503000000000000" pitchFamily="50" charset="-127"/>
                   <a:ea typeface="빙그레 메로나체" panose="020B0503000000000000" pitchFamily="50" charset="-127"/>
                 </a:rPr>
-                <a:t>React</a:t>
+                <a:t>Hooks</a:t>
               </a:r>
             </a:p>
           </p:txBody>
         </p:sp>
         <p:sp>
           <p:nvSpPr>
-            <p:cNvPr id="5" name="직사각형 4">
+            <p:cNvPr id="14" name="직사각형 13">
               <a:extLst>
                 <a:ext uri="{FF2B5EF4-FFF2-40B4-BE49-F238E27FC236}">
-                  <a16:creationId xmlns:a16="http://schemas.microsoft.com/office/drawing/2014/main" id="{AB4C8245-D0E4-4D79-B3E9-2FB89CE6FE84}"/>
+                  <a16:creationId xmlns:a16="http://schemas.microsoft.com/office/drawing/2014/main" id="{09CA9AC2-F703-46EE-8648-1A2976C38C17}"/>
                 </a:ext>
               </a:extLst>
             </p:cNvPr>
@@ -40201,6 +40049,36 @@
           </p:txBody>
         </p:sp>
       </p:grpSp>
+    </p:spTree>
+    <p:extLst>
+      <p:ext uri="{BB962C8B-B14F-4D97-AF65-F5344CB8AC3E}">
+        <p14:creationId xmlns:p14="http://schemas.microsoft.com/office/powerpoint/2010/main" val="4116696961"/>
+      </p:ext>
+    </p:extLst>
+  </p:cSld>
+  <p:clrMapOvr>
+    <a:masterClrMapping/>
+  </p:clrMapOvr>
+</p:sld>
+</file>
+
+<file path=ppt/slides/slide6.xml><?xml version="1.0" encoding="utf-8"?>
+<p:sld xmlns:a="http://schemas.openxmlformats.org/drawingml/2006/main" xmlns:r="http://schemas.openxmlformats.org/officeDocument/2006/relationships" xmlns:p="http://schemas.openxmlformats.org/presentationml/2006/main">
+  <p:cSld>
+    <p:spTree>
+      <p:nvGrpSpPr>
+        <p:cNvPr id="1" name=""/>
+        <p:cNvGrpSpPr/>
+        <p:nvPr/>
+      </p:nvGrpSpPr>
+      <p:grpSpPr>
+        <a:xfrm>
+          <a:off x="0" y="0"/>
+          <a:ext cx="0" cy="0"/>
+          <a:chOff x="0" y="0"/>
+          <a:chExt cx="0" cy="0"/>
+        </a:xfrm>
+      </p:grpSpPr>
       <p:sp>
         <p:nvSpPr>
           <p:cNvPr id="30" name="TextBox 29">
@@ -40437,42 +40315,12 @@
           </a:p>
         </p:txBody>
       </p:sp>
-    </p:spTree>
-    <p:extLst>
-      <p:ext uri="{BB962C8B-B14F-4D97-AF65-F5344CB8AC3E}">
-        <p14:creationId xmlns:p14="http://schemas.microsoft.com/office/powerpoint/2010/main" val="872136374"/>
-      </p:ext>
-    </p:extLst>
-  </p:cSld>
-  <p:clrMapOvr>
-    <a:masterClrMapping/>
-  </p:clrMapOvr>
-</p:sld>
-</file>
-
-<file path=ppt/slides/slide7.xml><?xml version="1.0" encoding="utf-8"?>
-<p:sld xmlns:a="http://schemas.openxmlformats.org/drawingml/2006/main" xmlns:r="http://schemas.openxmlformats.org/officeDocument/2006/relationships" xmlns:p="http://schemas.openxmlformats.org/presentationml/2006/main">
-  <p:cSld>
-    <p:spTree>
-      <p:nvGrpSpPr>
-        <p:cNvPr id="1" name=""/>
-        <p:cNvGrpSpPr/>
-        <p:nvPr/>
-      </p:nvGrpSpPr>
-      <p:grpSpPr>
-        <a:xfrm>
-          <a:off x="0" y="0"/>
-          <a:ext cx="0" cy="0"/>
-          <a:chOff x="0" y="0"/>
-          <a:chExt cx="0" cy="0"/>
-        </a:xfrm>
-      </p:grpSpPr>
       <p:grpSp>
         <p:nvGrpSpPr>
-          <p:cNvPr id="6" name="그룹 5">
+          <p:cNvPr id="11" name="그룹 10">
             <a:extLst>
               <a:ext uri="{FF2B5EF4-FFF2-40B4-BE49-F238E27FC236}">
-                <a16:creationId xmlns:a16="http://schemas.microsoft.com/office/drawing/2014/main" id="{CA7BD838-D4FB-4EA7-B68C-FA7B6D147BA2}"/>
+                <a16:creationId xmlns:a16="http://schemas.microsoft.com/office/drawing/2014/main" id="{88C67858-13DE-4D25-BBBF-6200A34AE3E5}"/>
               </a:ext>
             </a:extLst>
           </p:cNvPr>
@@ -40489,10 +40337,10 @@
         </p:grpSpPr>
         <p:sp>
           <p:nvSpPr>
-            <p:cNvPr id="18" name="TextBox 17">
+            <p:cNvPr id="14" name="TextBox 13">
               <a:extLst>
                 <a:ext uri="{FF2B5EF4-FFF2-40B4-BE49-F238E27FC236}">
-                  <a16:creationId xmlns:a16="http://schemas.microsoft.com/office/drawing/2014/main" id="{D7B7EE40-BAD9-4569-9BF6-F6E9ACA78A3C}"/>
+                  <a16:creationId xmlns:a16="http://schemas.microsoft.com/office/drawing/2014/main" id="{384E375E-388E-4785-84E4-5A5BCA29CD4A}"/>
                 </a:ext>
               </a:extLst>
             </p:cNvPr>
@@ -40528,17 +40376,17 @@
                   <a:latin typeface="빙그레 메로나체" panose="020B0503000000000000" pitchFamily="50" charset="-127"/>
                   <a:ea typeface="빙그레 메로나체" panose="020B0503000000000000" pitchFamily="50" charset="-127"/>
                 </a:rPr>
-                <a:t>React</a:t>
+                <a:t>Hooks</a:t>
               </a:r>
             </a:p>
           </p:txBody>
         </p:sp>
         <p:sp>
           <p:nvSpPr>
-            <p:cNvPr id="5" name="직사각형 4">
+            <p:cNvPr id="15" name="직사각형 14">
               <a:extLst>
                 <a:ext uri="{FF2B5EF4-FFF2-40B4-BE49-F238E27FC236}">
-                  <a16:creationId xmlns:a16="http://schemas.microsoft.com/office/drawing/2014/main" id="{AB4C8245-D0E4-4D79-B3E9-2FB89CE6FE84}"/>
+                  <a16:creationId xmlns:a16="http://schemas.microsoft.com/office/drawing/2014/main" id="{E2DA49DA-5ECC-49CA-B1C0-C09C82982F0A}"/>
                 </a:ext>
               </a:extLst>
             </p:cNvPr>
@@ -40589,6 +40437,36 @@
           </p:txBody>
         </p:sp>
       </p:grpSp>
+    </p:spTree>
+    <p:extLst>
+      <p:ext uri="{BB962C8B-B14F-4D97-AF65-F5344CB8AC3E}">
+        <p14:creationId xmlns:p14="http://schemas.microsoft.com/office/powerpoint/2010/main" val="872136374"/>
+      </p:ext>
+    </p:extLst>
+  </p:cSld>
+  <p:clrMapOvr>
+    <a:masterClrMapping/>
+  </p:clrMapOvr>
+</p:sld>
+</file>
+
+<file path=ppt/slides/slide7.xml><?xml version="1.0" encoding="utf-8"?>
+<p:sld xmlns:a="http://schemas.openxmlformats.org/drawingml/2006/main" xmlns:r="http://schemas.openxmlformats.org/officeDocument/2006/relationships" xmlns:p="http://schemas.openxmlformats.org/presentationml/2006/main">
+  <p:cSld>
+    <p:spTree>
+      <p:nvGrpSpPr>
+        <p:cNvPr id="1" name=""/>
+        <p:cNvGrpSpPr/>
+        <p:nvPr/>
+      </p:nvGrpSpPr>
+      <p:grpSpPr>
+        <a:xfrm>
+          <a:off x="0" y="0"/>
+          <a:ext cx="0" cy="0"/>
+          <a:chOff x="0" y="0"/>
+          <a:chExt cx="0" cy="0"/>
+        </a:xfrm>
+      </p:grpSpPr>
       <p:sp>
         <p:nvSpPr>
           <p:cNvPr id="30" name="TextBox 29">
@@ -41345,42 +41223,12 @@
           </a:p>
         </p:txBody>
       </p:sp>
-    </p:spTree>
-    <p:extLst>
-      <p:ext uri="{BB962C8B-B14F-4D97-AF65-F5344CB8AC3E}">
-        <p14:creationId xmlns:p14="http://schemas.microsoft.com/office/powerpoint/2010/main" val="3418024410"/>
-      </p:ext>
-    </p:extLst>
-  </p:cSld>
-  <p:clrMapOvr>
-    <a:masterClrMapping/>
-  </p:clrMapOvr>
-</p:sld>
-</file>
-
-<file path=ppt/slides/slide8.xml><?xml version="1.0" encoding="utf-8"?>
-<p:sld xmlns:a="http://schemas.openxmlformats.org/drawingml/2006/main" xmlns:r="http://schemas.openxmlformats.org/officeDocument/2006/relationships" xmlns:p="http://schemas.openxmlformats.org/presentationml/2006/main">
-  <p:cSld>
-    <p:spTree>
-      <p:nvGrpSpPr>
-        <p:cNvPr id="1" name=""/>
-        <p:cNvGrpSpPr/>
-        <p:nvPr/>
-      </p:nvGrpSpPr>
-      <p:grpSpPr>
-        <a:xfrm>
-          <a:off x="0" y="0"/>
-          <a:ext cx="0" cy="0"/>
-          <a:chOff x="0" y="0"/>
-          <a:chExt cx="0" cy="0"/>
-        </a:xfrm>
-      </p:grpSpPr>
       <p:grpSp>
         <p:nvGrpSpPr>
-          <p:cNvPr id="6" name="그룹 5">
+          <p:cNvPr id="22" name="그룹 21">
             <a:extLst>
               <a:ext uri="{FF2B5EF4-FFF2-40B4-BE49-F238E27FC236}">
-                <a16:creationId xmlns:a16="http://schemas.microsoft.com/office/drawing/2014/main" id="{CA7BD838-D4FB-4EA7-B68C-FA7B6D147BA2}"/>
+                <a16:creationId xmlns:a16="http://schemas.microsoft.com/office/drawing/2014/main" id="{7C424328-5DB4-4052-91B5-E358C0068682}"/>
               </a:ext>
             </a:extLst>
           </p:cNvPr>
@@ -41397,10 +41245,10 @@
         </p:grpSpPr>
         <p:sp>
           <p:nvSpPr>
-            <p:cNvPr id="18" name="TextBox 17">
+            <p:cNvPr id="23" name="TextBox 22">
               <a:extLst>
                 <a:ext uri="{FF2B5EF4-FFF2-40B4-BE49-F238E27FC236}">
-                  <a16:creationId xmlns:a16="http://schemas.microsoft.com/office/drawing/2014/main" id="{D7B7EE40-BAD9-4569-9BF6-F6E9ACA78A3C}"/>
+                  <a16:creationId xmlns:a16="http://schemas.microsoft.com/office/drawing/2014/main" id="{D3520E66-79F1-4908-94BB-E0DCD801959E}"/>
                 </a:ext>
               </a:extLst>
             </p:cNvPr>
@@ -41436,17 +41284,17 @@
                   <a:latin typeface="빙그레 메로나체" panose="020B0503000000000000" pitchFamily="50" charset="-127"/>
                   <a:ea typeface="빙그레 메로나체" panose="020B0503000000000000" pitchFamily="50" charset="-127"/>
                 </a:rPr>
-                <a:t>React</a:t>
+                <a:t>Hooks</a:t>
               </a:r>
             </a:p>
           </p:txBody>
         </p:sp>
         <p:sp>
           <p:nvSpPr>
-            <p:cNvPr id="5" name="직사각형 4">
+            <p:cNvPr id="24" name="직사각형 23">
               <a:extLst>
                 <a:ext uri="{FF2B5EF4-FFF2-40B4-BE49-F238E27FC236}">
-                  <a16:creationId xmlns:a16="http://schemas.microsoft.com/office/drawing/2014/main" id="{AB4C8245-D0E4-4D79-B3E9-2FB89CE6FE84}"/>
+                  <a16:creationId xmlns:a16="http://schemas.microsoft.com/office/drawing/2014/main" id="{92F71CB5-9B61-41BC-80B1-94C6C7BDB3B5}"/>
                 </a:ext>
               </a:extLst>
             </p:cNvPr>
@@ -41497,6 +41345,36 @@
           </p:txBody>
         </p:sp>
       </p:grpSp>
+    </p:spTree>
+    <p:extLst>
+      <p:ext uri="{BB962C8B-B14F-4D97-AF65-F5344CB8AC3E}">
+        <p14:creationId xmlns:p14="http://schemas.microsoft.com/office/powerpoint/2010/main" val="3418024410"/>
+      </p:ext>
+    </p:extLst>
+  </p:cSld>
+  <p:clrMapOvr>
+    <a:masterClrMapping/>
+  </p:clrMapOvr>
+</p:sld>
+</file>
+
+<file path=ppt/slides/slide8.xml><?xml version="1.0" encoding="utf-8"?>
+<p:sld xmlns:a="http://schemas.openxmlformats.org/drawingml/2006/main" xmlns:r="http://schemas.openxmlformats.org/officeDocument/2006/relationships" xmlns:p="http://schemas.openxmlformats.org/presentationml/2006/main">
+  <p:cSld>
+    <p:spTree>
+      <p:nvGrpSpPr>
+        <p:cNvPr id="1" name=""/>
+        <p:cNvGrpSpPr/>
+        <p:nvPr/>
+      </p:nvGrpSpPr>
+      <p:grpSpPr>
+        <a:xfrm>
+          <a:off x="0" y="0"/>
+          <a:ext cx="0" cy="0"/>
+          <a:chOff x="0" y="0"/>
+          <a:chExt cx="0" cy="0"/>
+        </a:xfrm>
+      </p:grpSpPr>
       <p:sp>
         <p:nvSpPr>
           <p:cNvPr id="30" name="TextBox 29">
@@ -43477,42 +43355,12 @@
           </a:prstGeom>
         </p:spPr>
       </p:pic>
-    </p:spTree>
-    <p:extLst>
-      <p:ext uri="{BB962C8B-B14F-4D97-AF65-F5344CB8AC3E}">
-        <p14:creationId xmlns:p14="http://schemas.microsoft.com/office/powerpoint/2010/main" val="1607994223"/>
-      </p:ext>
-    </p:extLst>
-  </p:cSld>
-  <p:clrMapOvr>
-    <a:masterClrMapping/>
-  </p:clrMapOvr>
-</p:sld>
-</file>
-
-<file path=ppt/slides/slide9.xml><?xml version="1.0" encoding="utf-8"?>
-<p:sld xmlns:a="http://schemas.openxmlformats.org/drawingml/2006/main" xmlns:r="http://schemas.openxmlformats.org/officeDocument/2006/relationships" xmlns:p="http://schemas.openxmlformats.org/presentationml/2006/main">
-  <p:cSld>
-    <p:spTree>
-      <p:nvGrpSpPr>
-        <p:cNvPr id="1" name=""/>
-        <p:cNvGrpSpPr/>
-        <p:nvPr/>
-      </p:nvGrpSpPr>
-      <p:grpSpPr>
-        <a:xfrm>
-          <a:off x="0" y="0"/>
-          <a:ext cx="0" cy="0"/>
-          <a:chOff x="0" y="0"/>
-          <a:chExt cx="0" cy="0"/>
-        </a:xfrm>
-      </p:grpSpPr>
       <p:grpSp>
         <p:nvGrpSpPr>
-          <p:cNvPr id="6" name="그룹 5">
+          <p:cNvPr id="15" name="그룹 14">
             <a:extLst>
               <a:ext uri="{FF2B5EF4-FFF2-40B4-BE49-F238E27FC236}">
-                <a16:creationId xmlns:a16="http://schemas.microsoft.com/office/drawing/2014/main" id="{CA7BD838-D4FB-4EA7-B68C-FA7B6D147BA2}"/>
+                <a16:creationId xmlns:a16="http://schemas.microsoft.com/office/drawing/2014/main" id="{4553B50F-CE62-4879-9A91-1BC9F3561C96}"/>
               </a:ext>
             </a:extLst>
           </p:cNvPr>
@@ -43529,10 +43377,10 @@
         </p:grpSpPr>
         <p:sp>
           <p:nvSpPr>
-            <p:cNvPr id="18" name="TextBox 17">
+            <p:cNvPr id="16" name="TextBox 15">
               <a:extLst>
                 <a:ext uri="{FF2B5EF4-FFF2-40B4-BE49-F238E27FC236}">
-                  <a16:creationId xmlns:a16="http://schemas.microsoft.com/office/drawing/2014/main" id="{D7B7EE40-BAD9-4569-9BF6-F6E9ACA78A3C}"/>
+                  <a16:creationId xmlns:a16="http://schemas.microsoft.com/office/drawing/2014/main" id="{0D39BD79-A162-4315-8E37-9383C046ECC3}"/>
                 </a:ext>
               </a:extLst>
             </p:cNvPr>
@@ -43568,17 +43416,17 @@
                   <a:latin typeface="빙그레 메로나체" panose="020B0503000000000000" pitchFamily="50" charset="-127"/>
                   <a:ea typeface="빙그레 메로나체" panose="020B0503000000000000" pitchFamily="50" charset="-127"/>
                 </a:rPr>
-                <a:t>React</a:t>
+                <a:t>Hooks</a:t>
               </a:r>
             </a:p>
           </p:txBody>
         </p:sp>
         <p:sp>
           <p:nvSpPr>
-            <p:cNvPr id="5" name="직사각형 4">
+            <p:cNvPr id="17" name="직사각형 16">
               <a:extLst>
                 <a:ext uri="{FF2B5EF4-FFF2-40B4-BE49-F238E27FC236}">
-                  <a16:creationId xmlns:a16="http://schemas.microsoft.com/office/drawing/2014/main" id="{AB4C8245-D0E4-4D79-B3E9-2FB89CE6FE84}"/>
+                  <a16:creationId xmlns:a16="http://schemas.microsoft.com/office/drawing/2014/main" id="{59AB66A8-E7E2-4500-B82A-FCA8F31E6628}"/>
                 </a:ext>
               </a:extLst>
             </p:cNvPr>
@@ -43629,6 +43477,36 @@
           </p:txBody>
         </p:sp>
       </p:grpSp>
+    </p:spTree>
+    <p:extLst>
+      <p:ext uri="{BB962C8B-B14F-4D97-AF65-F5344CB8AC3E}">
+        <p14:creationId xmlns:p14="http://schemas.microsoft.com/office/powerpoint/2010/main" val="1607994223"/>
+      </p:ext>
+    </p:extLst>
+  </p:cSld>
+  <p:clrMapOvr>
+    <a:masterClrMapping/>
+  </p:clrMapOvr>
+</p:sld>
+</file>
+
+<file path=ppt/slides/slide9.xml><?xml version="1.0" encoding="utf-8"?>
+<p:sld xmlns:a="http://schemas.openxmlformats.org/drawingml/2006/main" xmlns:r="http://schemas.openxmlformats.org/officeDocument/2006/relationships" xmlns:p="http://schemas.openxmlformats.org/presentationml/2006/main">
+  <p:cSld>
+    <p:spTree>
+      <p:nvGrpSpPr>
+        <p:cNvPr id="1" name=""/>
+        <p:cNvGrpSpPr/>
+        <p:nvPr/>
+      </p:nvGrpSpPr>
+      <p:grpSpPr>
+        <a:xfrm>
+          <a:off x="0" y="0"/>
+          <a:ext cx="0" cy="0"/>
+          <a:chOff x="0" y="0"/>
+          <a:chExt cx="0" cy="0"/>
+        </a:xfrm>
+      </p:grpSpPr>
       <p:sp>
         <p:nvSpPr>
           <p:cNvPr id="30" name="TextBox 29">
@@ -46438,6 +46316,128 @@
           </a:p>
         </p:txBody>
       </p:sp>
+      <p:grpSp>
+        <p:nvGrpSpPr>
+          <p:cNvPr id="12" name="그룹 11">
+            <a:extLst>
+              <a:ext uri="{FF2B5EF4-FFF2-40B4-BE49-F238E27FC236}">
+                <a16:creationId xmlns:a16="http://schemas.microsoft.com/office/drawing/2014/main" id="{956A61B0-08FB-4BB3-9703-7D1F16EBF619}"/>
+              </a:ext>
+            </a:extLst>
+          </p:cNvPr>
+          <p:cNvGrpSpPr/>
+          <p:nvPr/>
+        </p:nvGrpSpPr>
+        <p:grpSpPr>
+          <a:xfrm>
+            <a:off x="159192" y="182880"/>
+            <a:ext cx="1852488" cy="854227"/>
+            <a:chOff x="640080" y="-971550"/>
+            <a:chExt cx="1660746" cy="765810"/>
+          </a:xfrm>
+        </p:grpSpPr>
+        <p:sp>
+          <p:nvSpPr>
+            <p:cNvPr id="13" name="TextBox 12">
+              <a:extLst>
+                <a:ext uri="{FF2B5EF4-FFF2-40B4-BE49-F238E27FC236}">
+                  <a16:creationId xmlns:a16="http://schemas.microsoft.com/office/drawing/2014/main" id="{0F035EAB-5E3B-48AA-B0DA-F58FD209DE8D}"/>
+                </a:ext>
+              </a:extLst>
+            </p:cNvPr>
+            <p:cNvSpPr txBox="1"/>
+            <p:nvPr/>
+          </p:nvSpPr>
+          <p:spPr>
+            <a:xfrm>
+              <a:off x="683325" y="-770703"/>
+              <a:ext cx="1576513" cy="358697"/>
+            </a:xfrm>
+            <a:prstGeom prst="rect">
+              <a:avLst/>
+            </a:prstGeom>
+            <a:noFill/>
+          </p:spPr>
+          <p:txBody>
+            <a:bodyPr wrap="square" rtlCol="0" anchor="ctr">
+              <a:spAutoFit/>
+            </a:bodyPr>
+            <a:lstStyle/>
+            <a:p>
+              <a:pPr algn="ctr"/>
+              <a:r>
+                <a:rPr lang="en-US" altLang="ko-KR" sz="2000">
+                  <a:ln>
+                    <a:solidFill>
+                      <a:schemeClr val="tx1">
+                        <a:alpha val="30000"/>
+                      </a:schemeClr>
+                    </a:solidFill>
+                  </a:ln>
+                  <a:latin typeface="빙그레 메로나체" panose="020B0503000000000000" pitchFamily="50" charset="-127"/>
+                  <a:ea typeface="빙그레 메로나체" panose="020B0503000000000000" pitchFamily="50" charset="-127"/>
+                </a:rPr>
+                <a:t>Hooks</a:t>
+              </a:r>
+            </a:p>
+          </p:txBody>
+        </p:sp>
+        <p:sp>
+          <p:nvSpPr>
+            <p:cNvPr id="16" name="직사각형 15">
+              <a:extLst>
+                <a:ext uri="{FF2B5EF4-FFF2-40B4-BE49-F238E27FC236}">
+                  <a16:creationId xmlns:a16="http://schemas.microsoft.com/office/drawing/2014/main" id="{38C14CA0-FCC3-4F79-BF3D-EDFB2D37AEF6}"/>
+                </a:ext>
+              </a:extLst>
+            </p:cNvPr>
+            <p:cNvSpPr/>
+            <p:nvPr/>
+          </p:nvSpPr>
+          <p:spPr>
+            <a:xfrm>
+              <a:off x="640080" y="-971550"/>
+              <a:ext cx="1660746" cy="765810"/>
+            </a:xfrm>
+            <a:prstGeom prst="rect">
+              <a:avLst/>
+            </a:prstGeom>
+            <a:noFill/>
+            <a:ln w="25400">
+              <a:solidFill>
+                <a:schemeClr val="tx1"/>
+              </a:solidFill>
+            </a:ln>
+          </p:spPr>
+          <p:style>
+            <a:lnRef idx="2">
+              <a:schemeClr val="accent1">
+                <a:shade val="50000"/>
+              </a:schemeClr>
+            </a:lnRef>
+            <a:fillRef idx="1">
+              <a:schemeClr val="accent1"/>
+            </a:fillRef>
+            <a:effectRef idx="0">
+              <a:schemeClr val="accent1"/>
+            </a:effectRef>
+            <a:fontRef idx="minor">
+              <a:schemeClr val="lt1"/>
+            </a:fontRef>
+          </p:style>
+          <p:txBody>
+            <a:bodyPr rtlCol="0" anchor="ctr"/>
+            <a:lstStyle/>
+            <a:p>
+              <a:pPr algn="ctr"/>
+              <a:endParaRPr lang="ko-KR" altLang="en-US">
+                <a:latin typeface="빙그레 메로나체" panose="020B0503000000000000" pitchFamily="50" charset="-127"/>
+                <a:ea typeface="빙그레 메로나체" panose="020B0503000000000000" pitchFamily="50" charset="-127"/>
+              </a:endParaRPr>
+            </a:p>
+          </p:txBody>
+        </p:sp>
+      </p:grpSp>
     </p:spTree>
     <p:extLst>
       <p:ext uri="{BB962C8B-B14F-4D97-AF65-F5344CB8AC3E}">

--- a/210228_React_Hooks.pptx
+++ b/210228_React_Hooks.pptx
@@ -44,13 +44,18 @@
   <p:notesSz cx="6858000" cy="9144000"/>
   <p:embeddedFontLst>
     <p:embeddedFont>
+      <p:font typeface="맑은 고딕" panose="020B0503020000020004" pitchFamily="50" charset="-127"/>
+      <p:regular r:id="rId32"/>
+      <p:bold r:id="rId33"/>
+    </p:embeddedFont>
+    <p:embeddedFont>
       <p:font typeface="배달의민족 주아" panose="02020603020101020101" pitchFamily="18" charset="-127"/>
-      <p:regular r:id="rId32"/>
+      <p:regular r:id="rId34"/>
     </p:embeddedFont>
     <p:embeddedFont>
       <p:font typeface="빙그레 메로나체" panose="020B0503000000000000" pitchFamily="50" charset="-127"/>
-      <p:regular r:id="rId33"/>
-      <p:bold r:id="rId34"/>
+      <p:regular r:id="rId35"/>
+      <p:bold r:id="rId36"/>
     </p:embeddedFont>
   </p:embeddedFontLst>
   <p:defaultTextStyle>
@@ -7142,7 +7147,7 @@
                 <a:ea typeface="빙그레 메로나체" panose="020B0503000000000000" pitchFamily="50" charset="-127"/>
                 <a:cs typeface="+mn-cs"/>
               </a:rPr>
-              <a:t>Hook</a:t>
+              <a:t>Hooks</a:t>
             </a:r>
             <a:r>
               <a:rPr lang="ko-KR" altLang="en-US" sz="1200" kern="1200">
@@ -7497,7 +7502,161 @@
           <a:lstStyle/>
           <a:p>
             <a:pPr algn="l"/>
-            <a:endParaRPr lang="ko-KR" altLang="en-US" sz="1200" kern="1200">
+            <a:r>
+              <a:rPr lang="en-US" altLang="ko-KR" sz="1200" kern="1200">
+                <a:solidFill>
+                  <a:schemeClr val="tx1"/>
+                </a:solidFill>
+                <a:latin typeface="빙그레 메로나체" panose="020B0503000000000000" pitchFamily="50" charset="-127"/>
+                <a:ea typeface="빙그레 메로나체" panose="020B0503000000000000" pitchFamily="50" charset="-127"/>
+                <a:cs typeface="+mn-cs"/>
+              </a:rPr>
+              <a:t>useState, useReducer - State</a:t>
+            </a:r>
+            <a:r>
+              <a:rPr lang="ko-KR" altLang="en-US" sz="1200" kern="1200">
+                <a:solidFill>
+                  <a:schemeClr val="tx1"/>
+                </a:solidFill>
+                <a:latin typeface="빙그레 메로나체" panose="020B0503000000000000" pitchFamily="50" charset="-127"/>
+                <a:ea typeface="빙그레 메로나체" panose="020B0503000000000000" pitchFamily="50" charset="-127"/>
+                <a:cs typeface="+mn-cs"/>
+              </a:rPr>
+              <a:t>관리</a:t>
+            </a:r>
+            <a:endParaRPr lang="en-US" altLang="ko-KR" sz="1200" kern="1200">
+              <a:solidFill>
+                <a:schemeClr val="tx1"/>
+              </a:solidFill>
+              <a:latin typeface="빙그레 메로나체" panose="020B0503000000000000" pitchFamily="50" charset="-127"/>
+              <a:ea typeface="빙그레 메로나체" panose="020B0503000000000000" pitchFamily="50" charset="-127"/>
+              <a:cs typeface="+mn-cs"/>
+            </a:endParaRPr>
+          </a:p>
+          <a:p>
+            <a:pPr algn="l"/>
+            <a:r>
+              <a:rPr lang="en-US" altLang="ko-KR" sz="1200" kern="1200">
+                <a:solidFill>
+                  <a:schemeClr val="tx1"/>
+                </a:solidFill>
+                <a:latin typeface="빙그레 메로나체" panose="020B0503000000000000" pitchFamily="50" charset="-127"/>
+                <a:ea typeface="빙그레 메로나체" panose="020B0503000000000000" pitchFamily="50" charset="-127"/>
+                <a:cs typeface="+mn-cs"/>
+              </a:rPr>
+              <a:t>useRef - </a:t>
+            </a:r>
+            <a:r>
+              <a:rPr lang="ko-KR" altLang="en-US" sz="1200" kern="1200">
+                <a:solidFill>
+                  <a:schemeClr val="tx1"/>
+                </a:solidFill>
+                <a:latin typeface="빙그레 메로나체" panose="020B0503000000000000" pitchFamily="50" charset="-127"/>
+                <a:ea typeface="빙그레 메로나체" panose="020B0503000000000000" pitchFamily="50" charset="-127"/>
+                <a:cs typeface="+mn-cs"/>
+              </a:rPr>
+              <a:t>참조</a:t>
+            </a:r>
+            <a:endParaRPr lang="en-US" altLang="ko-KR" sz="1200" kern="1200">
+              <a:solidFill>
+                <a:schemeClr val="tx1"/>
+              </a:solidFill>
+              <a:latin typeface="빙그레 메로나체" panose="020B0503000000000000" pitchFamily="50" charset="-127"/>
+              <a:ea typeface="빙그레 메로나체" panose="020B0503000000000000" pitchFamily="50" charset="-127"/>
+              <a:cs typeface="+mn-cs"/>
+            </a:endParaRPr>
+          </a:p>
+          <a:p>
+            <a:pPr algn="l"/>
+            <a:r>
+              <a:rPr lang="en-US" altLang="ko-KR" sz="1200" kern="1200">
+                <a:solidFill>
+                  <a:schemeClr val="tx1"/>
+                </a:solidFill>
+                <a:latin typeface="빙그레 메로나체" panose="020B0503000000000000" pitchFamily="50" charset="-127"/>
+                <a:ea typeface="빙그레 메로나체" panose="020B0503000000000000" pitchFamily="50" charset="-127"/>
+                <a:cs typeface="+mn-cs"/>
+              </a:rPr>
+              <a:t>useContext - </a:t>
+            </a:r>
+            <a:r>
+              <a:rPr lang="ko-KR" altLang="en-US" sz="1200" kern="1200">
+                <a:solidFill>
+                  <a:schemeClr val="tx1"/>
+                </a:solidFill>
+                <a:latin typeface="빙그레 메로나체" panose="020B0503000000000000" pitchFamily="50" charset="-127"/>
+                <a:ea typeface="빙그레 메로나체" panose="020B0503000000000000" pitchFamily="50" charset="-127"/>
+                <a:cs typeface="+mn-cs"/>
+              </a:rPr>
+              <a:t>전역적 데이터 관리</a:t>
+            </a:r>
+            <a:endParaRPr lang="en-US" altLang="ko-KR" sz="1200" kern="1200">
+              <a:solidFill>
+                <a:schemeClr val="tx1"/>
+              </a:solidFill>
+              <a:latin typeface="빙그레 메로나체" panose="020B0503000000000000" pitchFamily="50" charset="-127"/>
+              <a:ea typeface="빙그레 메로나체" panose="020B0503000000000000" pitchFamily="50" charset="-127"/>
+              <a:cs typeface="+mn-cs"/>
+            </a:endParaRPr>
+          </a:p>
+          <a:p>
+            <a:pPr algn="l"/>
+            <a:r>
+              <a:rPr lang="en-US" altLang="ko-KR" sz="1200" kern="1200">
+                <a:solidFill>
+                  <a:schemeClr val="tx1"/>
+                </a:solidFill>
+                <a:latin typeface="빙그레 메로나체" panose="020B0503000000000000" pitchFamily="50" charset="-127"/>
+                <a:ea typeface="빙그레 메로나체" panose="020B0503000000000000" pitchFamily="50" charset="-127"/>
+                <a:cs typeface="+mn-cs"/>
+              </a:rPr>
+              <a:t>useEffect, useLayoutEffect - lifecycle</a:t>
+            </a:r>
+            <a:r>
+              <a:rPr lang="ko-KR" altLang="en-US" sz="1200" kern="1200">
+                <a:solidFill>
+                  <a:schemeClr val="tx1"/>
+                </a:solidFill>
+                <a:latin typeface="빙그레 메로나체" panose="020B0503000000000000" pitchFamily="50" charset="-127"/>
+                <a:ea typeface="빙그레 메로나체" panose="020B0503000000000000" pitchFamily="50" charset="-127"/>
+                <a:cs typeface="+mn-cs"/>
+              </a:rPr>
+              <a:t> 활용</a:t>
+            </a:r>
+            <a:endParaRPr lang="en-US" altLang="ko-KR" sz="1200" kern="1200">
+              <a:solidFill>
+                <a:schemeClr val="tx1"/>
+              </a:solidFill>
+              <a:latin typeface="빙그레 메로나체" panose="020B0503000000000000" pitchFamily="50" charset="-127"/>
+              <a:ea typeface="빙그레 메로나체" panose="020B0503000000000000" pitchFamily="50" charset="-127"/>
+              <a:cs typeface="+mn-cs"/>
+            </a:endParaRPr>
+          </a:p>
+          <a:p>
+            <a:pPr algn="l"/>
+            <a:r>
+              <a:rPr lang="en-US" altLang="ko-KR" sz="1200" kern="1200">
+                <a:solidFill>
+                  <a:schemeClr val="tx1"/>
+                </a:solidFill>
+                <a:latin typeface="빙그레 메로나체" panose="020B0503000000000000" pitchFamily="50" charset="-127"/>
+                <a:ea typeface="빙그레 메로나체" panose="020B0503000000000000" pitchFamily="50" charset="-127"/>
+                <a:cs typeface="+mn-cs"/>
+              </a:rPr>
+              <a:t>useMemo, useCallback - </a:t>
+            </a:r>
+            <a:r>
+              <a:rPr lang="ko-KR" altLang="en-US" sz="1200" kern="1200">
+                <a:solidFill>
+                  <a:schemeClr val="tx1"/>
+                </a:solidFill>
+                <a:latin typeface="빙그레 메로나체" panose="020B0503000000000000" pitchFamily="50" charset="-127"/>
+                <a:ea typeface="빙그레 메로나체" panose="020B0503000000000000" pitchFamily="50" charset="-127"/>
+                <a:cs typeface="+mn-cs"/>
+              </a:rPr>
+              <a:t>최적화</a:t>
+            </a:r>
+            <a:endParaRPr lang="en-US" altLang="ko-KR" sz="1200" kern="1200">
               <a:solidFill>
                 <a:schemeClr val="tx1"/>
               </a:solidFill>
@@ -12123,7 +12282,7 @@
                 <a:latin typeface="빙그레 메로나체" panose="020B0503000000000000" pitchFamily="50" charset="-127"/>
                 <a:ea typeface="빙그레 메로나체" panose="020B0503000000000000" pitchFamily="50" charset="-127"/>
               </a:rPr>
-              <a:t>Hooks - useRef</a:t>
+              <a:t>useRef</a:t>
             </a:r>
           </a:p>
         </p:txBody>
@@ -12674,7 +12833,7 @@
                 <a:latin typeface="빙그레 메로나체" panose="020B0503000000000000" pitchFamily="50" charset="-127"/>
                 <a:ea typeface="빙그레 메로나체" panose="020B0503000000000000" pitchFamily="50" charset="-127"/>
               </a:rPr>
-              <a:t>Hooks - useRef</a:t>
+              <a:t>useRef</a:t>
             </a:r>
           </a:p>
         </p:txBody>
@@ -15118,7 +15277,7 @@
                 <a:latin typeface="빙그레 메로나체" panose="020B0503000000000000" pitchFamily="50" charset="-127"/>
                 <a:ea typeface="빙그레 메로나체" panose="020B0503000000000000" pitchFamily="50" charset="-127"/>
               </a:rPr>
-              <a:t>Hooks - useRef</a:t>
+              <a:t>useRef</a:t>
             </a:r>
           </a:p>
         </p:txBody>
@@ -16371,7 +16530,7 @@
                 <a:latin typeface="빙그레 메로나체" panose="020B0503000000000000" pitchFamily="50" charset="-127"/>
                 <a:ea typeface="빙그레 메로나체" panose="020B0503000000000000" pitchFamily="50" charset="-127"/>
               </a:rPr>
-              <a:t>Hooks - useContext</a:t>
+              <a:t>useContext</a:t>
             </a:r>
           </a:p>
         </p:txBody>
@@ -16878,7 +17037,7 @@
                 <a:latin typeface="빙그레 메로나체" panose="020B0503000000000000" pitchFamily="50" charset="-127"/>
                 <a:ea typeface="빙그레 메로나체" panose="020B0503000000000000" pitchFamily="50" charset="-127"/>
               </a:rPr>
-              <a:t>Hooks - useContext</a:t>
+              <a:t>useContext</a:t>
             </a:r>
           </a:p>
         </p:txBody>
@@ -19201,7 +19360,7 @@
                 <a:latin typeface="빙그레 메로나체" panose="020B0503000000000000" pitchFamily="50" charset="-127"/>
                 <a:ea typeface="빙그레 메로나체" panose="020B0503000000000000" pitchFamily="50" charset="-127"/>
               </a:rPr>
-              <a:t>Hooks - useEffect</a:t>
+              <a:t>useEffect</a:t>
             </a:r>
           </a:p>
         </p:txBody>
@@ -20183,7 +20342,7 @@
                 <a:latin typeface="빙그레 메로나체" panose="020B0503000000000000" pitchFamily="50" charset="-127"/>
                 <a:ea typeface="빙그레 메로나체" panose="020B0503000000000000" pitchFamily="50" charset="-127"/>
               </a:rPr>
-              <a:t>Hooks - useEffect</a:t>
+              <a:t>useEffect</a:t>
             </a:r>
           </a:p>
         </p:txBody>
@@ -20823,7 +20982,7 @@
                 <a:latin typeface="빙그레 메로나체" panose="020B0503000000000000" pitchFamily="50" charset="-127"/>
                 <a:ea typeface="빙그레 메로나체" panose="020B0503000000000000" pitchFamily="50" charset="-127"/>
               </a:rPr>
-              <a:t>Hooks - useEffect</a:t>
+              <a:t>useEffect</a:t>
             </a:r>
           </a:p>
         </p:txBody>
@@ -21797,7 +21956,7 @@
                 <a:latin typeface="빙그레 메로나체" panose="020B0503000000000000" pitchFamily="50" charset="-127"/>
                 <a:ea typeface="빙그레 메로나체" panose="020B0503000000000000" pitchFamily="50" charset="-127"/>
               </a:rPr>
-              <a:t>Hooks - useEffect</a:t>
+              <a:t>useEffect</a:t>
             </a:r>
           </a:p>
         </p:txBody>
@@ -22665,7 +22824,7 @@
                 <a:latin typeface="빙그레 메로나체" panose="020B0503000000000000" pitchFamily="50" charset="-127"/>
                 <a:ea typeface="빙그레 메로나체" panose="020B0503000000000000" pitchFamily="50" charset="-127"/>
               </a:rPr>
-              <a:t>Hooks - useLayoutEffect</a:t>
+              <a:t>useLayoutEffect</a:t>
             </a:r>
           </a:p>
         </p:txBody>
@@ -23315,9 +23474,11 @@
             <a:avLst/>
           </a:prstGeom>
           <a:solidFill>
-            <a:srgbClr val="DFE7F5">
+            <a:schemeClr val="tx2">
+              <a:lumMod val="20000"/>
+              <a:lumOff val="80000"/>
               <a:alpha val="50196"/>
-            </a:srgbClr>
+            </a:schemeClr>
           </a:solidFill>
           <a:ln>
             <a:noFill/>
@@ -23344,10 +23505,7 @@
           <a:lstStyle/>
           <a:p>
             <a:pPr algn="ctr"/>
-            <a:endParaRPr lang="ko-KR" altLang="en-US">
-              <a:latin typeface="빙그레 메로나체" panose="020B0503000000000000" pitchFamily="50" charset="-127"/>
-              <a:ea typeface="빙그레 메로나체" panose="020B0503000000000000" pitchFamily="50" charset="-127"/>
-            </a:endParaRPr>
+            <a:endParaRPr lang="ko-KR" altLang="en-US"/>
           </a:p>
         </p:txBody>
       </p:sp>
@@ -23365,16 +23523,18 @@
         </p:nvSpPr>
         <p:spPr>
           <a:xfrm>
-            <a:off x="663681" y="2182764"/>
-            <a:ext cx="11058546" cy="3524865"/>
+            <a:off x="1969558" y="2438730"/>
+            <a:ext cx="8252884" cy="3103808"/>
           </a:xfrm>
           <a:prstGeom prst="roundRect">
             <a:avLst/>
           </a:prstGeom>
           <a:solidFill>
-            <a:srgbClr val="DFE7F5">
+            <a:schemeClr val="tx2">
+              <a:lumMod val="20000"/>
+              <a:lumOff val="80000"/>
               <a:alpha val="50196"/>
-            </a:srgbClr>
+            </a:schemeClr>
           </a:solidFill>
           <a:ln>
             <a:noFill/>
@@ -23401,10 +23561,7 @@
           <a:lstStyle/>
           <a:p>
             <a:pPr algn="ctr"/>
-            <a:endParaRPr lang="ko-KR" altLang="en-US">
-              <a:latin typeface="빙그레 메로나체" panose="020B0503000000000000" pitchFamily="50" charset="-127"/>
-              <a:ea typeface="빙그레 메로나체" panose="020B0503000000000000" pitchFamily="50" charset="-127"/>
-            </a:endParaRPr>
+            <a:endParaRPr lang="ko-KR" altLang="en-US"/>
           </a:p>
         </p:txBody>
       </p:sp>
@@ -23482,8 +23639,8 @@
         </p:nvSpPr>
         <p:spPr>
           <a:xfrm>
-            <a:off x="923183" y="2605846"/>
-            <a:ext cx="1860061" cy="830997"/>
+            <a:off x="2706973" y="3205804"/>
+            <a:ext cx="1313180" cy="1200329"/>
           </a:xfrm>
           <a:prstGeom prst="rect">
             <a:avLst/>
@@ -23524,8 +23681,21 @@
                 <a:latin typeface="빙그레 메로나체" panose="020B0503000000000000" pitchFamily="50" charset="-127"/>
                 <a:ea typeface="빙그레 메로나체" panose="020B0503000000000000" pitchFamily="50" charset="-127"/>
               </a:rPr>
-              <a:t>2. Front end</a:t>
-            </a:r>
+              <a:t>2. Rules</a:t>
+            </a:r>
+          </a:p>
+          <a:p>
+            <a:endParaRPr lang="en-US" altLang="ko-KR" sz="2400">
+              <a:ln>
+                <a:solidFill>
+                  <a:schemeClr val="tx1">
+                    <a:alpha val="30000"/>
+                  </a:schemeClr>
+                </a:solidFill>
+              </a:ln>
+              <a:latin typeface="빙그레 메로나체" panose="020B0503000000000000" pitchFamily="50" charset="-127"/>
+              <a:ea typeface="빙그레 메로나체" panose="020B0503000000000000" pitchFamily="50" charset="-127"/>
+            </a:endParaRPr>
           </a:p>
         </p:txBody>
       </p:sp>
@@ -23543,8 +23713,8 @@
         </p:nvSpPr>
         <p:spPr>
           <a:xfrm>
-            <a:off x="7469160" y="2605846"/>
-            <a:ext cx="4400547" cy="2677656"/>
+            <a:off x="7065860" y="3205804"/>
+            <a:ext cx="2976278" cy="1569660"/>
           </a:xfrm>
           <a:prstGeom prst="rect">
             <a:avLst/>
@@ -23569,7 +23739,7 @@
                 <a:latin typeface="빙그레 메로나체" panose="020B0503000000000000" pitchFamily="50" charset="-127"/>
                 <a:ea typeface="빙그레 메로나체" panose="020B0503000000000000" pitchFamily="50" charset="-127"/>
               </a:rPr>
-              <a:t>4. Development environment</a:t>
+              <a:t>7. useEffect</a:t>
             </a:r>
           </a:p>
           <a:p>
@@ -23585,7 +23755,7 @@
                 <a:latin typeface="빙그레 메로나체" panose="020B0503000000000000" pitchFamily="50" charset="-127"/>
                 <a:ea typeface="빙그레 메로나체" panose="020B0503000000000000" pitchFamily="50" charset="-127"/>
               </a:rPr>
-              <a:t>- Webpack</a:t>
+              <a:t>8. useLayoutEffect</a:t>
             </a:r>
           </a:p>
           <a:p>
@@ -23601,7 +23771,7 @@
                 <a:latin typeface="빙그레 메로나체" panose="020B0503000000000000" pitchFamily="50" charset="-127"/>
                 <a:ea typeface="빙그레 메로나체" panose="020B0503000000000000" pitchFamily="50" charset="-127"/>
               </a:rPr>
-              <a:t>- Babel</a:t>
+              <a:t>9. useMemo</a:t>
             </a:r>
           </a:p>
           <a:p>
@@ -23617,52 +23787,7 @@
                 <a:latin typeface="빙그레 메로나체" panose="020B0503000000000000" pitchFamily="50" charset="-127"/>
                 <a:ea typeface="빙그레 메로나체" panose="020B0503000000000000" pitchFamily="50" charset="-127"/>
               </a:rPr>
-              <a:t>- Create React App</a:t>
-            </a:r>
-          </a:p>
-          <a:p>
-            <a:endParaRPr lang="en-US" altLang="ko-KR" sz="2400">
-              <a:ln>
-                <a:solidFill>
-                  <a:schemeClr val="tx1">
-                    <a:alpha val="30000"/>
-                  </a:schemeClr>
-                </a:solidFill>
-              </a:ln>
-              <a:latin typeface="빙그레 메로나체" panose="020B0503000000000000" pitchFamily="50" charset="-127"/>
-              <a:ea typeface="빙그레 메로나체" panose="020B0503000000000000" pitchFamily="50" charset="-127"/>
-            </a:endParaRPr>
-          </a:p>
-          <a:p>
-            <a:r>
-              <a:rPr lang="en-US" altLang="ko-KR" sz="2400">
-                <a:ln>
-                  <a:solidFill>
-                    <a:schemeClr val="tx1">
-                      <a:alpha val="30000"/>
-                    </a:schemeClr>
-                  </a:solidFill>
-                </a:ln>
-                <a:latin typeface="빙그레 메로나체" panose="020B0503000000000000" pitchFamily="50" charset="-127"/>
-                <a:ea typeface="빙그레 메로나체" panose="020B0503000000000000" pitchFamily="50" charset="-127"/>
-              </a:rPr>
-              <a:t>5. Class, Function Component</a:t>
-            </a:r>
-          </a:p>
-          <a:p>
-            <a:r>
-              <a:rPr lang="en-US" altLang="ko-KR" sz="2400">
-                <a:ln>
-                  <a:solidFill>
-                    <a:schemeClr val="tx1">
-                      <a:alpha val="30000"/>
-                    </a:schemeClr>
-                  </a:solidFill>
-                </a:ln>
-                <a:latin typeface="빙그레 메로나체" panose="020B0503000000000000" pitchFamily="50" charset="-127"/>
-                <a:ea typeface="빙그레 메로나체" panose="020B0503000000000000" pitchFamily="50" charset="-127"/>
-              </a:rPr>
-              <a:t>6. Lifecycle</a:t>
+              <a:t>10. useCallback</a:t>
             </a:r>
           </a:p>
         </p:txBody>
@@ -23681,8 +23806,8 @@
         </p:nvSpPr>
         <p:spPr>
           <a:xfrm>
-            <a:off x="3301537" y="2605846"/>
-            <a:ext cx="3649330" cy="2677656"/>
+            <a:off x="4597662" y="3205804"/>
+            <a:ext cx="2468198" cy="1569660"/>
           </a:xfrm>
           <a:prstGeom prst="rect">
             <a:avLst/>
@@ -23707,7 +23832,7 @@
                 <a:latin typeface="빙그레 메로나체" panose="020B0503000000000000" pitchFamily="50" charset="-127"/>
                 <a:ea typeface="빙그레 메로나체" panose="020B0503000000000000" pitchFamily="50" charset="-127"/>
               </a:rPr>
-              <a:t>3. Characteristic</a:t>
+              <a:t>3. useState</a:t>
             </a:r>
           </a:p>
           <a:p>
@@ -23723,7 +23848,7 @@
                 <a:latin typeface="빙그레 메로나체" panose="020B0503000000000000" pitchFamily="50" charset="-127"/>
                 <a:ea typeface="빙그레 메로나체" panose="020B0503000000000000" pitchFamily="50" charset="-127"/>
               </a:rPr>
-              <a:t>  - Component</a:t>
+              <a:t>4. useReducer</a:t>
             </a:r>
           </a:p>
           <a:p>
@@ -23739,7 +23864,7 @@
                 <a:latin typeface="빙그레 메로나체" panose="020B0503000000000000" pitchFamily="50" charset="-127"/>
                 <a:ea typeface="빙그레 메로나체" panose="020B0503000000000000" pitchFamily="50" charset="-127"/>
               </a:rPr>
-              <a:t>  - JSX</a:t>
+              <a:t>5. useRef</a:t>
             </a:r>
           </a:p>
           <a:p>
@@ -23755,55 +23880,7 @@
                 <a:latin typeface="빙그레 메로나체" panose="020B0503000000000000" pitchFamily="50" charset="-127"/>
                 <a:ea typeface="빙그레 메로나체" panose="020B0503000000000000" pitchFamily="50" charset="-127"/>
               </a:rPr>
-              <a:t>  - Virtual DOM</a:t>
-            </a:r>
-          </a:p>
-          <a:p>
-            <a:r>
-              <a:rPr lang="en-US" altLang="ko-KR" sz="2400">
-                <a:ln>
-                  <a:solidFill>
-                    <a:schemeClr val="tx1">
-                      <a:alpha val="30000"/>
-                    </a:schemeClr>
-                  </a:solidFill>
-                </a:ln>
-                <a:latin typeface="빙그레 메로나체" panose="020B0503000000000000" pitchFamily="50" charset="-127"/>
-                <a:ea typeface="빙그레 메로나체" panose="020B0503000000000000" pitchFamily="50" charset="-127"/>
-              </a:rPr>
-              <a:t>  - One way data binding</a:t>
-            </a:r>
-          </a:p>
-          <a:p>
-            <a:r>
-              <a:rPr lang="en-US" altLang="ko-KR" sz="2400">
-                <a:ln>
-                  <a:solidFill>
-                    <a:schemeClr val="tx1">
-                      <a:alpha val="30000"/>
-                    </a:schemeClr>
-                  </a:solidFill>
-                </a:ln>
-                <a:latin typeface="빙그레 메로나체" panose="020B0503000000000000" pitchFamily="50" charset="-127"/>
-                <a:ea typeface="빙그레 메로나체" panose="020B0503000000000000" pitchFamily="50" charset="-127"/>
-              </a:rPr>
-              <a:t>  - Community</a:t>
-            </a:r>
-          </a:p>
-          <a:p>
-            <a:r>
-              <a:rPr lang="en-US" altLang="ko-KR" sz="2400">
-                <a:ln>
-                  <a:solidFill>
-                    <a:schemeClr val="tx1">
-                      <a:alpha val="30000"/>
-                    </a:schemeClr>
-                  </a:solidFill>
-                </a:ln>
-                <a:latin typeface="빙그레 메로나체" panose="020B0503000000000000" pitchFamily="50" charset="-127"/>
-                <a:ea typeface="빙그레 메로나체" panose="020B0503000000000000" pitchFamily="50" charset="-127"/>
-              </a:rPr>
-              <a:t>  - React Native</a:t>
+              <a:t>6. useContext</a:t>
             </a:r>
           </a:p>
         </p:txBody>
@@ -23881,7 +23958,7 @@
                 <a:latin typeface="빙그레 메로나체" panose="020B0503000000000000" pitchFamily="50" charset="-127"/>
                 <a:ea typeface="빙그레 메로나체" panose="020B0503000000000000" pitchFamily="50" charset="-127"/>
               </a:rPr>
-              <a:t>Hooks - useMemo</a:t>
+              <a:t>useMemo</a:t>
             </a:r>
           </a:p>
         </p:txBody>
@@ -25971,7 +26048,7 @@
                 <a:latin typeface="빙그레 메로나체" panose="020B0503000000000000" pitchFamily="50" charset="-127"/>
                 <a:ea typeface="빙그레 메로나체" panose="020B0503000000000000" pitchFamily="50" charset="-127"/>
               </a:rPr>
-              <a:t>Hooks - useMemo</a:t>
+              <a:t>useMemo</a:t>
             </a:r>
           </a:p>
         </p:txBody>
@@ -27985,7 +28062,7 @@
                 <a:latin typeface="빙그레 메로나체" panose="020B0503000000000000" pitchFamily="50" charset="-127"/>
                 <a:ea typeface="빙그레 메로나체" panose="020B0503000000000000" pitchFamily="50" charset="-127"/>
               </a:rPr>
-              <a:t>Hooks - useMemo</a:t>
+              <a:t>useMemo</a:t>
             </a:r>
           </a:p>
         </p:txBody>
@@ -30021,7 +30098,7 @@
                 <a:latin typeface="빙그레 메로나체" panose="020B0503000000000000" pitchFamily="50" charset="-127"/>
                 <a:ea typeface="빙그레 메로나체" panose="020B0503000000000000" pitchFamily="50" charset="-127"/>
               </a:rPr>
-              <a:t>Hooks - useMemo</a:t>
+              <a:t>useMemo</a:t>
             </a:r>
           </a:p>
         </p:txBody>
@@ -32057,7 +32134,7 @@
                 <a:latin typeface="빙그레 메로나체" panose="020B0503000000000000" pitchFamily="50" charset="-127"/>
                 <a:ea typeface="빙그레 메로나체" panose="020B0503000000000000" pitchFamily="50" charset="-127"/>
               </a:rPr>
-              <a:t>Hooks - useCallback</a:t>
+              <a:t>useCallback</a:t>
             </a:r>
           </a:p>
         </p:txBody>
@@ -34195,7 +34272,7 @@
                 <a:latin typeface="빙그레 메로나체" panose="020B0503000000000000" pitchFamily="50" charset="-127"/>
                 <a:ea typeface="빙그레 메로나체" panose="020B0503000000000000" pitchFamily="50" charset="-127"/>
               </a:rPr>
-              <a:t>Hooks - useCallback</a:t>
+              <a:t>useCallback</a:t>
             </a:r>
           </a:p>
         </p:txBody>
@@ -36220,7 +36297,7 @@
                 <a:latin typeface="빙그레 메로나체" panose="020B0503000000000000" pitchFamily="50" charset="-127"/>
                 <a:ea typeface="빙그레 메로나체" panose="020B0503000000000000" pitchFamily="50" charset="-127"/>
               </a:rPr>
-              <a:t>Hooks - useCallback</a:t>
+              <a:t>useCallback</a:t>
             </a:r>
           </a:p>
         </p:txBody>
@@ -38245,7 +38322,7 @@
                 <a:latin typeface="빙그레 메로나체" panose="020B0503000000000000" pitchFamily="50" charset="-127"/>
                 <a:ea typeface="빙그레 메로나체" panose="020B0503000000000000" pitchFamily="50" charset="-127"/>
               </a:rPr>
-              <a:t>Hooks - useCallback</a:t>
+              <a:t>useCallback</a:t>
             </a:r>
           </a:p>
         </p:txBody>
@@ -38937,7 +39014,7 @@
                 <a:latin typeface="빙그레 메로나체" panose="020B0503000000000000" pitchFamily="50" charset="-127"/>
                 <a:ea typeface="빙그레 메로나체" panose="020B0503000000000000" pitchFamily="50" charset="-127"/>
               </a:rPr>
-              <a:t>Hooks</a:t>
+              <a:t>Hooks?</a:t>
             </a:r>
           </a:p>
         </p:txBody>
@@ -38950,20 +39027,23 @@
         </p:nvSpPr>
         <p:spPr>
           <a:xfrm>
-            <a:off x="1423887" y="5513116"/>
-            <a:ext cx="9562233" cy="369332"/>
+            <a:off x="1013137" y="5412595"/>
+            <a:ext cx="10165726" cy="369332"/>
           </a:xfrm>
           <a:prstGeom prst="rect">
             <a:avLst/>
           </a:prstGeom>
-          <a:noFill/>
+          <a:solidFill>
+            <a:schemeClr val="bg2"/>
+          </a:solidFill>
         </p:spPr>
         <p:txBody>
-          <a:bodyPr wrap="none" rtlCol="0">
+          <a:bodyPr wrap="square" rtlCol="0">
             <a:spAutoFit/>
           </a:bodyPr>
           <a:lstStyle/>
           <a:p>
+            <a:pPr algn="ctr"/>
             <a:r>
               <a:rPr lang="en-US" altLang="ko-KR">
                 <a:ln>
@@ -39197,8 +39277,8 @@
         </p:blipFill>
         <p:spPr bwMode="auto">
           <a:xfrm>
-            <a:off x="2272925" y="1409886"/>
-            <a:ext cx="7646150" cy="3823076"/>
+            <a:off x="2640169" y="1514792"/>
+            <a:ext cx="6911662" cy="3455832"/>
           </a:xfrm>
           <a:prstGeom prst="rect">
             <a:avLst/>
@@ -39308,7 +39388,7 @@
             <a:avLst/>
           </a:prstGeom>
           <a:solidFill>
-            <a:schemeClr val="tx2">
+            <a:schemeClr val="accent1">
               <a:lumMod val="20000"/>
               <a:lumOff val="80000"/>
             </a:schemeClr>
@@ -39390,7 +39470,7 @@
             <a:avLst/>
           </a:prstGeom>
           <a:solidFill>
-            <a:schemeClr val="tx2">
+            <a:schemeClr val="accent1">
               <a:lumMod val="20000"/>
               <a:lumOff val="80000"/>
             </a:schemeClr>
@@ -39582,7 +39662,7 @@
                 <a:latin typeface="빙그레 메로나체" panose="020B0503000000000000" pitchFamily="50" charset="-127"/>
                 <a:ea typeface="빙그레 메로나체" panose="020B0503000000000000" pitchFamily="50" charset="-127"/>
               </a:rPr>
-              <a:t>Hooks - Rules</a:t>
+              <a:t>Rules</a:t>
             </a:r>
           </a:p>
         </p:txBody>
@@ -39782,7 +39862,7 @@
                 <a:latin typeface="빙그레 메로나체" panose="020B0503000000000000" pitchFamily="50" charset="-127"/>
                 <a:ea typeface="빙그레 메로나체" panose="020B0503000000000000" pitchFamily="50" charset="-127"/>
               </a:rPr>
-              <a:t>Hooks - Rules</a:t>
+              <a:t>Rules</a:t>
             </a:r>
           </a:p>
         </p:txBody>
@@ -39840,7 +39920,7 @@
         </p:blipFill>
         <p:spPr>
           <a:xfrm>
-            <a:off x="1982181" y="1214586"/>
+            <a:off x="1982181" y="1445271"/>
             <a:ext cx="4811926" cy="4449615"/>
           </a:xfrm>
           <a:prstGeom prst="rect">
@@ -39870,7 +39950,7 @@
         </p:blipFill>
         <p:spPr>
           <a:xfrm>
-            <a:off x="7562756" y="1214585"/>
+            <a:off x="7562756" y="1445270"/>
             <a:ext cx="2451059" cy="4449615"/>
           </a:xfrm>
           <a:prstGeom prst="rect">
@@ -39892,13 +39972,15 @@
         </p:nvSpPr>
         <p:spPr>
           <a:xfrm>
-            <a:off x="2629535" y="6057580"/>
+            <a:off x="2629535" y="6118383"/>
             <a:ext cx="6170930" cy="369332"/>
           </a:xfrm>
           <a:prstGeom prst="rect">
             <a:avLst/>
           </a:prstGeom>
-          <a:noFill/>
+          <a:solidFill>
+            <a:schemeClr val="bg2"/>
+          </a:solidFill>
           <a:ln>
             <a:noFill/>
           </a:ln>
@@ -40122,7 +40204,7 @@
                 <a:latin typeface="빙그레 메로나체" panose="020B0503000000000000" pitchFamily="50" charset="-127"/>
                 <a:ea typeface="빙그레 메로나체" panose="020B0503000000000000" pitchFamily="50" charset="-127"/>
               </a:rPr>
-              <a:t>Hooks - Rules</a:t>
+              <a:t>Rules</a:t>
             </a:r>
           </a:p>
         </p:txBody>
@@ -41418,7 +41500,7 @@
                 <a:latin typeface="빙그레 메로나체" panose="020B0503000000000000" pitchFamily="50" charset="-127"/>
                 <a:ea typeface="빙그레 메로나체" panose="020B0503000000000000" pitchFamily="50" charset="-127"/>
               </a:rPr>
-              <a:t>Hooks - useState</a:t>
+              <a:t>useState</a:t>
             </a:r>
           </a:p>
         </p:txBody>
@@ -43550,7 +43632,7 @@
                 <a:latin typeface="빙그레 메로나체" panose="020B0503000000000000" pitchFamily="50" charset="-127"/>
                 <a:ea typeface="빙그레 메로나체" panose="020B0503000000000000" pitchFamily="50" charset="-127"/>
               </a:rPr>
-              <a:t>Hooks - useReducer</a:t>
+              <a:t>useReducer</a:t>
             </a:r>
           </a:p>
         </p:txBody>

--- a/210228_React_Hooks.pptx
+++ b/210228_React_Hooks.pptx
@@ -44,18 +44,13 @@
   <p:notesSz cx="6858000" cy="9144000"/>
   <p:embeddedFontLst>
     <p:embeddedFont>
-      <p:font typeface="맑은 고딕" panose="020B0503020000020004" pitchFamily="50" charset="-127"/>
+      <p:font typeface="배달의민족 주아" panose="02020603020101020101" pitchFamily="18" charset="-127"/>
       <p:regular r:id="rId32"/>
-      <p:bold r:id="rId33"/>
-    </p:embeddedFont>
-    <p:embeddedFont>
-      <p:font typeface="배달의민족 주아" panose="02020603020101020101" pitchFamily="18" charset="-127"/>
-      <p:regular r:id="rId34"/>
     </p:embeddedFont>
     <p:embeddedFont>
       <p:font typeface="빙그레 메로나체" panose="020B0503000000000000" pitchFamily="50" charset="-127"/>
-      <p:regular r:id="rId35"/>
-      <p:bold r:id="rId36"/>
+      <p:regular r:id="rId33"/>
+      <p:bold r:id="rId34"/>
     </p:embeddedFont>
   </p:embeddedFontLst>
   <p:defaultTextStyle>
@@ -1698,6 +1693,71 @@
         <p:txBody>
           <a:bodyPr/>
           <a:lstStyle/>
+          <a:p>
+            <a:pPr algn="l"/>
+            <a:r>
+              <a:rPr lang="ko-KR" altLang="en-US" sz="1200" b="0">
+                <a:ln>
+                  <a:solidFill>
+                    <a:schemeClr val="tx1">
+                      <a:alpha val="30000"/>
+                    </a:schemeClr>
+                  </a:solidFill>
+                </a:ln>
+                <a:latin typeface="빙그레 메로나체" panose="020B0503000000000000" pitchFamily="50" charset="-127"/>
+                <a:ea typeface="빙그레 메로나체" panose="020B0503000000000000" pitchFamily="50" charset="-127"/>
+              </a:rPr>
+              <a:t>전역적으로 데이터를 공유</a:t>
+            </a:r>
+            <a:r>
+              <a:rPr lang="en-US" altLang="ko-KR" sz="1200" b="0">
+                <a:ln>
+                  <a:solidFill>
+                    <a:schemeClr val="tx1">
+                      <a:alpha val="30000"/>
+                    </a:schemeClr>
+                  </a:solidFill>
+                </a:ln>
+                <a:latin typeface="빙그레 메로나체" panose="020B0503000000000000" pitchFamily="50" charset="-127"/>
+                <a:ea typeface="빙그레 메로나체" panose="020B0503000000000000" pitchFamily="50" charset="-127"/>
+              </a:rPr>
+              <a:t>, </a:t>
+            </a:r>
+            <a:r>
+              <a:rPr lang="ko-KR" altLang="en-US" b="0" i="0">
+                <a:solidFill>
+                  <a:srgbClr val="222426"/>
+                </a:solidFill>
+                <a:effectLst/>
+              </a:rPr>
+              <a:t>상태의 중앙 관리를 위한 상태 관리 도구</a:t>
+            </a:r>
+            <a:endParaRPr lang="en-US" altLang="ko-KR" sz="1200" b="0">
+              <a:ln>
+                <a:solidFill>
+                  <a:schemeClr val="tx1">
+                    <a:alpha val="30000"/>
+                  </a:schemeClr>
+                </a:solidFill>
+              </a:ln>
+              <a:latin typeface="빙그레 메로나체" panose="020B0503000000000000" pitchFamily="50" charset="-127"/>
+              <a:ea typeface="빙그레 메로나체" panose="020B0503000000000000" pitchFamily="50" charset="-127"/>
+            </a:endParaRPr>
+          </a:p>
+          <a:p>
+            <a:pPr algn="l"/>
+            <a:endParaRPr lang="en-US" altLang="ko-KR" sz="1200">
+              <a:ln>
+                <a:solidFill>
+                  <a:schemeClr val="tx1">
+                    <a:alpha val="30000"/>
+                  </a:schemeClr>
+                </a:solidFill>
+              </a:ln>
+              <a:latin typeface="빙그레 메로나체" panose="020B0503000000000000" pitchFamily="50" charset="-127"/>
+              <a:ea typeface="빙그레 메로나체" panose="020B0503000000000000" pitchFamily="50" charset="-127"/>
+            </a:endParaRPr>
+          </a:p>
           <a:p>
             <a:pPr algn="l"/>
             <a:r>
@@ -17976,7 +18036,7 @@
                 <a:latin typeface="빙그레 메로나체" panose="020B0503000000000000" pitchFamily="50" charset="-127"/>
                 <a:ea typeface="빙그레 메로나체" panose="020B0503000000000000" pitchFamily="50" charset="-127"/>
               </a:rPr>
-              <a:t>={</a:t>
+              <a:t>={ { </a:t>
             </a:r>
             <a:r>
               <a:rPr lang="en-US" altLang="ko-KR" b="0">
@@ -17987,18 +18047,18 @@
                 <a:latin typeface="빙그레 메로나체" panose="020B0503000000000000" pitchFamily="50" charset="-127"/>
                 <a:ea typeface="빙그레 메로나체" panose="020B0503000000000000" pitchFamily="50" charset="-127"/>
               </a:rPr>
-              <a:t>text</a:t>
-            </a:r>
-            <a:r>
-              <a:rPr lang="en-US" altLang="ko-KR" b="0">
-                <a:solidFill>
-                  <a:srgbClr val="89DDFF"/>
-                </a:solidFill>
-                <a:effectLst/>
-                <a:latin typeface="빙그레 메로나체" panose="020B0503000000000000" pitchFamily="50" charset="-127"/>
-                <a:ea typeface="빙그레 메로나체" panose="020B0503000000000000" pitchFamily="50" charset="-127"/>
-              </a:rPr>
-              <a:t>}&gt;</a:t>
+              <a:t>text </a:t>
+            </a:r>
+            <a:r>
+              <a:rPr lang="en-US" altLang="ko-KR" b="0">
+                <a:solidFill>
+                  <a:srgbClr val="89DDFF"/>
+                </a:solidFill>
+                <a:effectLst/>
+                <a:latin typeface="빙그레 메로나체" panose="020B0503000000000000" pitchFamily="50" charset="-127"/>
+                <a:ea typeface="빙그레 메로나체" panose="020B0503000000000000" pitchFamily="50" charset="-127"/>
+              </a:rPr>
+              <a:t>} }&gt;</a:t>
             </a:r>
             <a:endParaRPr lang="en-US" altLang="ko-KR" b="0">
               <a:solidFill>
@@ -18796,13 +18856,35 @@
             <a:r>
               <a:rPr lang="en-US" altLang="ko-KR" b="0">
                 <a:solidFill>
+                  <a:srgbClr val="89DDFF"/>
+                </a:solidFill>
+                <a:effectLst/>
+                <a:latin typeface="빙그레 메로나체" panose="020B0503000000000000" pitchFamily="50" charset="-127"/>
+                <a:ea typeface="빙그레 메로나체" panose="020B0503000000000000" pitchFamily="50" charset="-127"/>
+              </a:rPr>
+              <a:t>{ </a:t>
+            </a:r>
+            <a:r>
+              <a:rPr lang="en-US" altLang="ko-KR" b="0">
+                <a:solidFill>
                   <a:srgbClr val="EEFFFF"/>
                 </a:solidFill>
                 <a:effectLst/>
                 <a:latin typeface="빙그레 메로나체" panose="020B0503000000000000" pitchFamily="50" charset="-127"/>
                 <a:ea typeface="빙그레 메로나체" panose="020B0503000000000000" pitchFamily="50" charset="-127"/>
               </a:rPr>
-              <a:t>text</a:t>
+              <a:t>text </a:t>
+            </a:r>
+            <a:r>
+              <a:rPr lang="en-US" altLang="ko-KR" b="0">
+                <a:solidFill>
+                  <a:srgbClr val="89DDFF"/>
+                </a:solidFill>
+                <a:effectLst/>
+                <a:latin typeface="빙그레 메로나체" panose="020B0503000000000000" pitchFamily="50" charset="-127"/>
+                <a:ea typeface="빙그레 메로나체" panose="020B0503000000000000" pitchFamily="50" charset="-127"/>
+              </a:rPr>
+              <a:t>}</a:t>
             </a:r>
             <a:r>
               <a:rPr lang="en-US" altLang="ko-KR" b="0">
@@ -23505,7 +23587,10 @@
           <a:lstStyle/>
           <a:p>
             <a:pPr algn="ctr"/>
-            <a:endParaRPr lang="ko-KR" altLang="en-US"/>
+            <a:endParaRPr lang="ko-KR" altLang="en-US">
+              <a:latin typeface="빙그레 메로나체" panose="020B0503000000000000" pitchFamily="50" charset="-127"/>
+              <a:ea typeface="빙그레 메로나체" panose="020B0503000000000000" pitchFamily="50" charset="-127"/>
+            </a:endParaRPr>
           </a:p>
         </p:txBody>
       </p:sp>
@@ -23561,7 +23646,10 @@
           <a:lstStyle/>
           <a:p>
             <a:pPr algn="ctr"/>
-            <a:endParaRPr lang="ko-KR" altLang="en-US"/>
+            <a:endParaRPr lang="ko-KR" altLang="en-US">
+              <a:latin typeface="빙그레 메로나체" panose="020B0503000000000000" pitchFamily="50" charset="-127"/>
+              <a:ea typeface="빙그레 메로나체" panose="020B0503000000000000" pitchFamily="50" charset="-127"/>
+            </a:endParaRPr>
           </a:p>
         </p:txBody>
       </p:sp>
@@ -29868,41 +29956,6 @@
           </a:p>
         </p:txBody>
       </p:sp>
-      <p:pic>
-        <p:nvPicPr>
-          <p:cNvPr id="12" name="그림 11">
-            <a:extLst>
-              <a:ext uri="{FF2B5EF4-FFF2-40B4-BE49-F238E27FC236}">
-                <a16:creationId xmlns:a16="http://schemas.microsoft.com/office/drawing/2014/main" id="{B87FD10B-9187-48A9-B322-B4A848155C06}"/>
-              </a:ext>
-            </a:extLst>
-          </p:cNvPr>
-          <p:cNvPicPr>
-            <a:picLocks noChangeAspect="1"/>
-          </p:cNvPicPr>
-          <p:nvPr/>
-        </p:nvPicPr>
-        <p:blipFill>
-          <a:blip r:embed="rId3"/>
-          <a:stretch>
-            <a:fillRect/>
-          </a:stretch>
-        </p:blipFill>
-        <p:spPr>
-          <a:xfrm>
-            <a:off x="6752620" y="1612429"/>
-            <a:ext cx="4353944" cy="4247317"/>
-          </a:xfrm>
-          <a:prstGeom prst="rect">
-            <a:avLst/>
-          </a:prstGeom>
-          <a:ln>
-            <a:solidFill>
-              <a:schemeClr val="tx1"/>
-            </a:solidFill>
-          </a:ln>
-        </p:spPr>
-      </p:pic>
       <p:grpSp>
         <p:nvGrpSpPr>
           <p:cNvPr id="14" name="그룹 13">
@@ -30025,6 +30078,41 @@
           </p:txBody>
         </p:sp>
       </p:grpSp>
+      <p:pic>
+        <p:nvPicPr>
+          <p:cNvPr id="3" name="그림 2">
+            <a:extLst>
+              <a:ext uri="{FF2B5EF4-FFF2-40B4-BE49-F238E27FC236}">
+                <a16:creationId xmlns:a16="http://schemas.microsoft.com/office/drawing/2014/main" id="{0A057A0C-6663-4F3D-ACF0-1A4A5C7AB7FB}"/>
+              </a:ext>
+            </a:extLst>
+          </p:cNvPr>
+          <p:cNvPicPr>
+            <a:picLocks noChangeAspect="1"/>
+          </p:cNvPicPr>
+          <p:nvPr/>
+        </p:nvPicPr>
+        <p:blipFill>
+          <a:blip r:embed="rId3"/>
+          <a:stretch>
+            <a:fillRect/>
+          </a:stretch>
+        </p:blipFill>
+        <p:spPr>
+          <a:xfrm>
+            <a:off x="6095999" y="1612429"/>
+            <a:ext cx="4794099" cy="4247317"/>
+          </a:xfrm>
+          <a:prstGeom prst="rect">
+            <a:avLst/>
+          </a:prstGeom>
+          <a:ln>
+            <a:solidFill>
+              <a:schemeClr val="tx1"/>
+            </a:solidFill>
+          </a:ln>
+        </p:spPr>
+      </p:pic>
     </p:spTree>
     <p:extLst>
       <p:ext uri="{BB962C8B-B14F-4D97-AF65-F5344CB8AC3E}">
@@ -38721,101 +38809,6 @@
               <a:latin typeface="배달의민족 주아" panose="02020603020101020101" pitchFamily="18" charset="-127"/>
               <a:ea typeface="배달의민족 주아" panose="02020603020101020101" pitchFamily="18" charset="-127"/>
             </a:endParaRPr>
-          </a:p>
-        </p:txBody>
-      </p:sp>
-      <p:sp>
-        <p:nvSpPr>
-          <p:cNvPr id="3" name="TextBox 2">
-            <a:extLst>
-              <a:ext uri="{FF2B5EF4-FFF2-40B4-BE49-F238E27FC236}">
-                <a16:creationId xmlns:a16="http://schemas.microsoft.com/office/drawing/2014/main" id="{BB3546BD-BC05-4D18-AC3A-22183861892D}"/>
-              </a:ext>
-            </a:extLst>
-          </p:cNvPr>
-          <p:cNvSpPr txBox="1"/>
-          <p:nvPr/>
-        </p:nvSpPr>
-        <p:spPr>
-          <a:xfrm>
-            <a:off x="0" y="6562722"/>
-            <a:ext cx="7608858" cy="307777"/>
-          </a:xfrm>
-          <a:prstGeom prst="rect">
-            <a:avLst/>
-          </a:prstGeom>
-          <a:noFill/>
-        </p:spPr>
-        <p:txBody>
-          <a:bodyPr wrap="square" rtlCol="0">
-            <a:spAutoFit/>
-          </a:bodyPr>
-          <a:lstStyle/>
-          <a:p>
-            <a:r>
-              <a:rPr lang="en-US" altLang="ko-KR" sz="1400">
-                <a:ln>
-                  <a:solidFill>
-                    <a:schemeClr val="tx1">
-                      <a:alpha val="30000"/>
-                    </a:schemeClr>
-                  </a:solidFill>
-                </a:ln>
-                <a:solidFill>
-                  <a:schemeClr val="bg1">
-                    <a:lumMod val="65000"/>
-                  </a:schemeClr>
-                </a:solidFill>
-                <a:latin typeface="빙그레 메로나체" panose="020B0503000000000000" pitchFamily="50" charset="-127"/>
-                <a:ea typeface="빙그레 메로나체" panose="020B0503000000000000" pitchFamily="50" charset="-127"/>
-              </a:rPr>
-              <a:t>source : https://webpack.js.org/</a:t>
-            </a:r>
-          </a:p>
-        </p:txBody>
-      </p:sp>
-      <p:sp>
-        <p:nvSpPr>
-          <p:cNvPr id="4" name="TextBox 3">
-            <a:extLst>
-              <a:ext uri="{FF2B5EF4-FFF2-40B4-BE49-F238E27FC236}">
-                <a16:creationId xmlns:a16="http://schemas.microsoft.com/office/drawing/2014/main" id="{BA3FD4F7-199C-4E29-B2D1-A38B30978741}"/>
-              </a:ext>
-            </a:extLst>
-          </p:cNvPr>
-          <p:cNvSpPr txBox="1"/>
-          <p:nvPr/>
-        </p:nvSpPr>
-        <p:spPr>
-          <a:xfrm>
-            <a:off x="582516" y="6320424"/>
-            <a:ext cx="10656712" cy="307777"/>
-          </a:xfrm>
-          <a:prstGeom prst="rect">
-            <a:avLst/>
-          </a:prstGeom>
-          <a:noFill/>
-        </p:spPr>
-        <p:txBody>
-          <a:bodyPr wrap="square">
-            <a:spAutoFit/>
-          </a:bodyPr>
-          <a:lstStyle/>
-          <a:p>
-            <a:r>
-              <a:rPr lang="en-US" altLang="ko-KR" sz="1400">
-                <a:ln>
-                  <a:solidFill>
-                    <a:schemeClr val="tx1">
-                      <a:alpha val="30000"/>
-                    </a:schemeClr>
-                  </a:solidFill>
-                </a:ln>
-                <a:latin typeface="빙그레 메로나체" panose="020B0503000000000000" pitchFamily="50" charset="-127"/>
-                <a:ea typeface="빙그레 메로나체" panose="020B0503000000000000" pitchFamily="50" charset="-127"/>
-              </a:rPr>
-              <a:t>* module bundler : A library that makes multiple divided files into one file</a:t>
-            </a:r>
           </a:p>
         </p:txBody>
       </p:sp>
